--- a/DAY 06.pptx
+++ b/DAY 06.pptx
@@ -5,7 +5,7 @@
     <p:sldMasterId id="2147483648" r:id="rId1"/>
   </p:sldMasterIdLst>
   <p:notesMasterIdLst>
-    <p:notesMasterId r:id="rId50"/>
+    <p:notesMasterId r:id="rId55"/>
   </p:notesMasterIdLst>
   <p:sldIdLst>
     <p:sldId id="256" r:id="rId2"/>
@@ -42,20 +42,25 @@
     <p:sldId id="288" r:id="rId33"/>
     <p:sldId id="291" r:id="rId34"/>
     <p:sldId id="292" r:id="rId35"/>
-    <p:sldId id="293" r:id="rId36"/>
-    <p:sldId id="294" r:id="rId37"/>
-    <p:sldId id="295" r:id="rId38"/>
-    <p:sldId id="296" r:id="rId39"/>
-    <p:sldId id="298" r:id="rId40"/>
-    <p:sldId id="299" r:id="rId41"/>
-    <p:sldId id="300" r:id="rId42"/>
-    <p:sldId id="301" r:id="rId43"/>
-    <p:sldId id="302" r:id="rId44"/>
+    <p:sldId id="294" r:id="rId36"/>
+    <p:sldId id="295" r:id="rId37"/>
+    <p:sldId id="296" r:id="rId38"/>
+    <p:sldId id="299" r:id="rId39"/>
+    <p:sldId id="300" r:id="rId40"/>
+    <p:sldId id="301" r:id="rId41"/>
+    <p:sldId id="302" r:id="rId42"/>
+    <p:sldId id="309" r:id="rId43"/>
+    <p:sldId id="313" r:id="rId44"/>
     <p:sldId id="303" r:id="rId45"/>
     <p:sldId id="304" r:id="rId46"/>
     <p:sldId id="305" r:id="rId47"/>
-    <p:sldId id="306" r:id="rId48"/>
-    <p:sldId id="307" r:id="rId49"/>
+    <p:sldId id="308" r:id="rId48"/>
+    <p:sldId id="310" r:id="rId49"/>
+    <p:sldId id="311" r:id="rId50"/>
+    <p:sldId id="312" r:id="rId51"/>
+    <p:sldId id="298" r:id="rId52"/>
+    <p:sldId id="306" r:id="rId53"/>
+    <p:sldId id="307" r:id="rId54"/>
   </p:sldIdLst>
   <p:sldSz cx="12192000" cy="6858000"/>
   <p:notesSz cx="6858000" cy="9144000"/>
@@ -11128,7 +11133,7 @@
           <a:p>
             <a:fld id="{86283B5B-319B-4DBE-83B2-36AC17F62879}" type="datetimeFigureOut">
               <a:rPr lang="en-US" smtClean="0"/>
-              <a:t>5/5/2021</a:t>
+              <a:t>5/10/2021</a:t>
             </a:fld>
             <a:endParaRPr lang="en-US"/>
           </a:p>
@@ -11542,7 +11547,7 @@
           <a:p>
             <a:fld id="{DE136269-F5D2-4784-8C69-61FAF5E861B2}" type="datetimeFigureOut">
               <a:rPr lang="en-US" smtClean="0"/>
-              <a:t>5/5/2021</a:t>
+              <a:t>5/10/2021</a:t>
             </a:fld>
             <a:endParaRPr lang="en-US"/>
           </a:p>
@@ -11740,7 +11745,7 @@
           <a:p>
             <a:fld id="{DE136269-F5D2-4784-8C69-61FAF5E861B2}" type="datetimeFigureOut">
               <a:rPr lang="en-US" smtClean="0"/>
-              <a:t>5/5/2021</a:t>
+              <a:t>5/10/2021</a:t>
             </a:fld>
             <a:endParaRPr lang="en-US"/>
           </a:p>
@@ -11948,7 +11953,7 @@
           <a:p>
             <a:fld id="{DE136269-F5D2-4784-8C69-61FAF5E861B2}" type="datetimeFigureOut">
               <a:rPr lang="en-US" smtClean="0"/>
-              <a:t>5/5/2021</a:t>
+              <a:t>5/10/2021</a:t>
             </a:fld>
             <a:endParaRPr lang="en-US"/>
           </a:p>
@@ -12146,7 +12151,7 @@
           <a:p>
             <a:fld id="{DE136269-F5D2-4784-8C69-61FAF5E861B2}" type="datetimeFigureOut">
               <a:rPr lang="en-US" smtClean="0"/>
-              <a:t>5/5/2021</a:t>
+              <a:t>5/10/2021</a:t>
             </a:fld>
             <a:endParaRPr lang="en-US"/>
           </a:p>
@@ -12421,7 +12426,7 @@
           <a:p>
             <a:fld id="{DE136269-F5D2-4784-8C69-61FAF5E861B2}" type="datetimeFigureOut">
               <a:rPr lang="en-US" smtClean="0"/>
-              <a:t>5/5/2021</a:t>
+              <a:t>5/10/2021</a:t>
             </a:fld>
             <a:endParaRPr lang="en-US"/>
           </a:p>
@@ -12686,7 +12691,7 @@
           <a:p>
             <a:fld id="{DE136269-F5D2-4784-8C69-61FAF5E861B2}" type="datetimeFigureOut">
               <a:rPr lang="en-US" smtClean="0"/>
-              <a:t>5/5/2021</a:t>
+              <a:t>5/10/2021</a:t>
             </a:fld>
             <a:endParaRPr lang="en-US"/>
           </a:p>
@@ -13098,7 +13103,7 @@
           <a:p>
             <a:fld id="{DE136269-F5D2-4784-8C69-61FAF5E861B2}" type="datetimeFigureOut">
               <a:rPr lang="en-US" smtClean="0"/>
-              <a:t>5/5/2021</a:t>
+              <a:t>5/10/2021</a:t>
             </a:fld>
             <a:endParaRPr lang="en-US"/>
           </a:p>
@@ -13239,7 +13244,7 @@
           <a:p>
             <a:fld id="{DE136269-F5D2-4784-8C69-61FAF5E861B2}" type="datetimeFigureOut">
               <a:rPr lang="en-US" smtClean="0"/>
-              <a:t>5/5/2021</a:t>
+              <a:t>5/10/2021</a:t>
             </a:fld>
             <a:endParaRPr lang="en-US"/>
           </a:p>
@@ -13352,7 +13357,7 @@
           <a:p>
             <a:fld id="{DE136269-F5D2-4784-8C69-61FAF5E861B2}" type="datetimeFigureOut">
               <a:rPr lang="en-US" smtClean="0"/>
-              <a:t>5/5/2021</a:t>
+              <a:t>5/10/2021</a:t>
             </a:fld>
             <a:endParaRPr lang="en-US"/>
           </a:p>
@@ -13663,7 +13668,7 @@
           <a:p>
             <a:fld id="{DE136269-F5D2-4784-8C69-61FAF5E861B2}" type="datetimeFigureOut">
               <a:rPr lang="en-US" smtClean="0"/>
-              <a:t>5/5/2021</a:t>
+              <a:t>5/10/2021</a:t>
             </a:fld>
             <a:endParaRPr lang="en-US"/>
           </a:p>
@@ -13951,7 +13956,7 @@
           <a:p>
             <a:fld id="{DE136269-F5D2-4784-8C69-61FAF5E861B2}" type="datetimeFigureOut">
               <a:rPr lang="en-US" smtClean="0"/>
-              <a:t>5/5/2021</a:t>
+              <a:t>5/10/2021</a:t>
             </a:fld>
             <a:endParaRPr lang="en-US"/>
           </a:p>
@@ -14192,7 +14197,7 @@
           <a:p>
             <a:fld id="{DE136269-F5D2-4784-8C69-61FAF5E861B2}" type="datetimeFigureOut">
               <a:rPr lang="en-US" smtClean="0"/>
-              <a:t>5/5/2021</a:t>
+              <a:t>5/10/2021</a:t>
             </a:fld>
             <a:endParaRPr lang="en-US"/>
           </a:p>
@@ -15135,8 +15140,8 @@
           <a:chExt cx="0" cy="0"/>
         </a:xfrm>
       </p:grpSpPr>
-      <mc:AlternateContent xmlns:mc="http://schemas.openxmlformats.org/markup-compatibility/2006">
-        <mc:Choice xmlns:a14="http://schemas.microsoft.com/office/drawing/2010/main" Requires="a14">
+      <mc:AlternateContent xmlns:mc="http://schemas.openxmlformats.org/markup-compatibility/2006" xmlns:a14="http://schemas.microsoft.com/office/drawing/2010/main">
+        <mc:Choice Requires="a14">
           <p:graphicFrame>
             <p:nvGraphicFramePr>
               <p:cNvPr id="7" name="Table 3">
@@ -15465,7 +15470,7 @@
             </a:graphic>
           </p:graphicFrame>
         </mc:Choice>
-        <mc:Fallback>
+        <mc:Fallback xmlns="">
           <p:graphicFrame>
             <p:nvGraphicFramePr>
               <p:cNvPr id="7" name="Table 3">
@@ -16498,8 +16503,8 @@
           <a:chExt cx="0" cy="0"/>
         </a:xfrm>
       </p:grpSpPr>
-      <mc:AlternateContent xmlns:mc="http://schemas.openxmlformats.org/markup-compatibility/2006">
-        <mc:Choice xmlns:a14="http://schemas.microsoft.com/office/drawing/2010/main" Requires="a14">
+      <mc:AlternateContent xmlns:mc="http://schemas.openxmlformats.org/markup-compatibility/2006" xmlns:a14="http://schemas.microsoft.com/office/drawing/2010/main">
+        <mc:Choice Requires="a14">
           <p:graphicFrame>
             <p:nvGraphicFramePr>
               <p:cNvPr id="7" name="Table 3">
@@ -16828,7 +16833,7 @@
             </a:graphic>
           </p:graphicFrame>
         </mc:Choice>
-        <mc:Fallback>
+        <mc:Fallback xmlns="">
           <p:graphicFrame>
             <p:nvGraphicFramePr>
               <p:cNvPr id="7" name="Table 3">
@@ -17460,8 +17465,8 @@
           </a:p>
         </p:txBody>
       </p:sp>
-      <mc:AlternateContent xmlns:mc="http://schemas.openxmlformats.org/markup-compatibility/2006">
-        <mc:Choice xmlns:a14="http://schemas.microsoft.com/office/drawing/2010/main" Requires="a14">
+      <mc:AlternateContent xmlns:mc="http://schemas.openxmlformats.org/markup-compatibility/2006" xmlns:a14="http://schemas.microsoft.com/office/drawing/2010/main">
+        <mc:Choice Requires="a14">
           <p:sp>
             <p:nvSpPr>
               <p:cNvPr id="5" name="Content Placeholder 2">
@@ -17643,7 +17648,7 @@
             </p:txBody>
           </p:sp>
         </mc:Choice>
-        <mc:Fallback>
+        <mc:Fallback xmlns="">
           <p:sp>
             <p:nvSpPr>
               <p:cNvPr id="5" name="Content Placeholder 2">
@@ -18238,8 +18243,8 @@
           <a:chExt cx="0" cy="0"/>
         </a:xfrm>
       </p:grpSpPr>
-      <mc:AlternateContent xmlns:mc="http://schemas.openxmlformats.org/markup-compatibility/2006">
-        <mc:Choice xmlns:a14="http://schemas.microsoft.com/office/drawing/2010/main" Requires="a14">
+      <mc:AlternateContent xmlns:mc="http://schemas.openxmlformats.org/markup-compatibility/2006" xmlns:a14="http://schemas.microsoft.com/office/drawing/2010/main">
+        <mc:Choice Requires="a14">
           <p:graphicFrame>
             <p:nvGraphicFramePr>
               <p:cNvPr id="7" name="Table 3">
@@ -18568,7 +18573,7 @@
             </a:graphic>
           </p:graphicFrame>
         </mc:Choice>
-        <mc:Fallback>
+        <mc:Fallback xmlns="">
           <p:graphicFrame>
             <p:nvGraphicFramePr>
               <p:cNvPr id="7" name="Table 3">
@@ -18923,8 +18928,8 @@
           </a:p>
         </p:txBody>
       </p:sp>
-      <mc:AlternateContent xmlns:mc="http://schemas.openxmlformats.org/markup-compatibility/2006">
-        <mc:Choice xmlns:a14="http://schemas.microsoft.com/office/drawing/2010/main" Requires="a14">
+      <mc:AlternateContent xmlns:mc="http://schemas.openxmlformats.org/markup-compatibility/2006" xmlns:a14="http://schemas.microsoft.com/office/drawing/2010/main">
+        <mc:Choice Requires="a14">
           <p:sp>
             <p:nvSpPr>
               <p:cNvPr id="5" name="Content Placeholder 2">
@@ -19054,7 +19059,7 @@
             </p:txBody>
           </p:sp>
         </mc:Choice>
-        <mc:Fallback>
+        <mc:Fallback xmlns="">
           <p:sp>
             <p:nvSpPr>
               <p:cNvPr id="5" name="Content Placeholder 2">
@@ -19496,8 +19501,8 @@
           </a:p>
         </p:txBody>
       </p:sp>
-      <mc:AlternateContent xmlns:mc="http://schemas.openxmlformats.org/markup-compatibility/2006">
-        <mc:Choice xmlns:a14="http://schemas.microsoft.com/office/drawing/2010/main" Requires="a14">
+      <mc:AlternateContent xmlns:mc="http://schemas.openxmlformats.org/markup-compatibility/2006" xmlns:a14="http://schemas.microsoft.com/office/drawing/2010/main">
+        <mc:Choice Requires="a14">
           <p:sp>
             <p:nvSpPr>
               <p:cNvPr id="5" name="Content Placeholder 2">
@@ -19689,7 +19694,7 @@
             </p:txBody>
           </p:sp>
         </mc:Choice>
-        <mc:Fallback>
+        <mc:Fallback xmlns="">
           <p:sp>
             <p:nvSpPr>
               <p:cNvPr id="5" name="Content Placeholder 2">
@@ -20104,8 +20109,8 @@
           <a:chExt cx="0" cy="0"/>
         </a:xfrm>
       </p:grpSpPr>
-      <mc:AlternateContent xmlns:mc="http://schemas.openxmlformats.org/markup-compatibility/2006">
-        <mc:Choice xmlns:a14="http://schemas.microsoft.com/office/drawing/2010/main" Requires="a14">
+      <mc:AlternateContent xmlns:mc="http://schemas.openxmlformats.org/markup-compatibility/2006" xmlns:a14="http://schemas.microsoft.com/office/drawing/2010/main">
+        <mc:Choice Requires="a14">
           <p:graphicFrame>
             <p:nvGraphicFramePr>
               <p:cNvPr id="7" name="Table 3">
@@ -20428,7 +20433,7 @@
             </a:graphic>
           </p:graphicFrame>
         </mc:Choice>
-        <mc:Fallback>
+        <mc:Fallback xmlns="">
           <p:graphicFrame>
             <p:nvGraphicFramePr>
               <p:cNvPr id="7" name="Table 3">
@@ -20803,8 +20808,8 @@
           </a:p>
         </p:txBody>
       </p:sp>
-      <mc:AlternateContent xmlns:mc="http://schemas.openxmlformats.org/markup-compatibility/2006">
-        <mc:Choice xmlns:a14="http://schemas.microsoft.com/office/drawing/2010/main" Requires="a14">
+      <mc:AlternateContent xmlns:mc="http://schemas.openxmlformats.org/markup-compatibility/2006" xmlns:a14="http://schemas.microsoft.com/office/drawing/2010/main">
+        <mc:Choice Requires="a14">
           <p:sp>
             <p:nvSpPr>
               <p:cNvPr id="5" name="Content Placeholder 2">
@@ -21068,7 +21073,7 @@
             </p:txBody>
           </p:sp>
         </mc:Choice>
-        <mc:Fallback>
+        <mc:Fallback xmlns="">
           <p:sp>
             <p:nvSpPr>
               <p:cNvPr id="5" name="Content Placeholder 2">
@@ -21303,8 +21308,8 @@
           </a:p>
         </p:txBody>
       </p:sp>
-      <mc:AlternateContent xmlns:mc="http://schemas.openxmlformats.org/markup-compatibility/2006">
-        <mc:Choice xmlns:a14="http://schemas.microsoft.com/office/drawing/2010/main" Requires="a14">
+      <mc:AlternateContent xmlns:mc="http://schemas.openxmlformats.org/markup-compatibility/2006" xmlns:a14="http://schemas.microsoft.com/office/drawing/2010/main">
+        <mc:Choice Requires="a14">
           <p:sp>
             <p:nvSpPr>
               <p:cNvPr id="5" name="Content Placeholder 2">
@@ -21409,7 +21414,7 @@
             </p:txBody>
           </p:sp>
         </mc:Choice>
-        <mc:Fallback>
+        <mc:Fallback xmlns="">
           <p:sp>
             <p:nvSpPr>
               <p:cNvPr id="5" name="Content Placeholder 2">
@@ -21884,8 +21889,8 @@
           </a:p>
         </p:txBody>
       </p:sp>
-      <mc:AlternateContent xmlns:mc="http://schemas.openxmlformats.org/markup-compatibility/2006">
-        <mc:Choice xmlns:a14="http://schemas.microsoft.com/office/drawing/2010/main" Requires="a14">
+      <mc:AlternateContent xmlns:mc="http://schemas.openxmlformats.org/markup-compatibility/2006" xmlns:a14="http://schemas.microsoft.com/office/drawing/2010/main">
+        <mc:Choice Requires="a14">
           <p:sp>
             <p:nvSpPr>
               <p:cNvPr id="5" name="Content Placeholder 2">
@@ -21990,7 +21995,7 @@
             </p:txBody>
           </p:sp>
         </mc:Choice>
-        <mc:Fallback>
+        <mc:Fallback xmlns="">
           <p:sp>
             <p:nvSpPr>
               <p:cNvPr id="5" name="Content Placeholder 2">
@@ -22399,8 +22404,8 @@
           </a:p>
         </p:txBody>
       </p:sp>
-      <mc:AlternateContent xmlns:mc="http://schemas.openxmlformats.org/markup-compatibility/2006">
-        <mc:Choice xmlns:a14="http://schemas.microsoft.com/office/drawing/2010/main" Requires="a14">
+      <mc:AlternateContent xmlns:mc="http://schemas.openxmlformats.org/markup-compatibility/2006" xmlns:a14="http://schemas.microsoft.com/office/drawing/2010/main">
+        <mc:Choice Requires="a14">
           <p:sp>
             <p:nvSpPr>
               <p:cNvPr id="5" name="Content Placeholder 2">
@@ -22579,7 +22584,7 @@
             </p:txBody>
           </p:sp>
         </mc:Choice>
-        <mc:Fallback>
+        <mc:Fallback xmlns="">
           <p:sp>
             <p:nvSpPr>
               <p:cNvPr id="5" name="Content Placeholder 2">
@@ -23119,8 +23124,8 @@
           </a:p>
         </p:txBody>
       </p:sp>
-      <mc:AlternateContent xmlns:mc="http://schemas.openxmlformats.org/markup-compatibility/2006">
-        <mc:Choice xmlns:a14="http://schemas.microsoft.com/office/drawing/2010/main" Requires="a14">
+      <mc:AlternateContent xmlns:mc="http://schemas.openxmlformats.org/markup-compatibility/2006" xmlns:a14="http://schemas.microsoft.com/office/drawing/2010/main">
+        <mc:Choice Requires="a14">
           <p:sp>
             <p:nvSpPr>
               <p:cNvPr id="5" name="Content Placeholder 2">
@@ -23209,7 +23214,7 @@
             </p:txBody>
           </p:sp>
         </mc:Choice>
-        <mc:Fallback>
+        <mc:Fallback xmlns="">
           <p:sp>
             <p:nvSpPr>
               <p:cNvPr id="5" name="Content Placeholder 2">
@@ -25417,8 +25422,8 @@
           </a:p>
         </p:txBody>
       </p:sp>
-      <mc:AlternateContent xmlns:mc="http://schemas.openxmlformats.org/markup-compatibility/2006">
-        <mc:Choice xmlns:a14="http://schemas.microsoft.com/office/drawing/2010/main" Requires="a14">
+      <mc:AlternateContent xmlns:mc="http://schemas.openxmlformats.org/markup-compatibility/2006" xmlns:a14="http://schemas.microsoft.com/office/drawing/2010/main">
+        <mc:Choice Requires="a14">
           <p:sp>
             <p:nvSpPr>
               <p:cNvPr id="5" name="Content Placeholder 2">
@@ -25492,7 +25497,7 @@
             </p:txBody>
           </p:sp>
         </mc:Choice>
-        <mc:Fallback>
+        <mc:Fallback xmlns="">
           <p:sp>
             <p:nvSpPr>
               <p:cNvPr id="5" name="Content Placeholder 2">
@@ -26189,8 +26194,8 @@
           <a:chExt cx="0" cy="0"/>
         </a:xfrm>
       </p:grpSpPr>
-      <mc:AlternateContent xmlns:mc="http://schemas.openxmlformats.org/markup-compatibility/2006">
-        <mc:Choice xmlns:a14="http://schemas.microsoft.com/office/drawing/2010/main" Requires="a14">
+      <mc:AlternateContent xmlns:mc="http://schemas.openxmlformats.org/markup-compatibility/2006" xmlns:a14="http://schemas.microsoft.com/office/drawing/2010/main">
+        <mc:Choice Requires="a14">
           <p:graphicFrame>
             <p:nvGraphicFramePr>
               <p:cNvPr id="7" name="Table 3">
@@ -26513,7 +26518,7 @@
             </a:graphic>
           </p:graphicFrame>
         </mc:Choice>
-        <mc:Fallback>
+        <mc:Fallback xmlns="">
           <p:graphicFrame>
             <p:nvGraphicFramePr>
               <p:cNvPr id="7" name="Table 3">
@@ -27113,7 +27118,7 @@
                 </a:solidFill>
                 <a:latin typeface="+mj-lt"/>
               </a:rPr>
-              <a:t>Exercise 02</a:t>
+              <a:t>Exercise 03</a:t>
             </a:r>
             <a:endParaRPr lang="en-US" dirty="0">
               <a:solidFill>
@@ -27152,15 +27157,6 @@
           <a:lstStyle/>
           <a:p>
             <a:r>
-              <a:rPr lang="en-GB" dirty="0">
-                <a:solidFill>
-                  <a:srgbClr val="FFFFFF"/>
-                </a:solidFill>
-                <a:latin typeface="Segoe UI Historic" panose="020B0502040204020203" pitchFamily="34" charset="0"/>
-              </a:rPr>
-              <a:t>W</a:t>
-            </a:r>
-            <a:r>
               <a:rPr lang="en-GB" b="0" i="0" dirty="0">
                 <a:solidFill>
                   <a:srgbClr val="FFFFFF"/>
@@ -27168,7 +27164,7 @@
                 <a:effectLst/>
                 <a:latin typeface="Segoe UI Historic" panose="020B0502040204020203" pitchFamily="34" charset="0"/>
               </a:rPr>
-              <a:t>rite program to read set of numbers and print the sum of the number, if sum &gt;=200 then print sum and end the program .</a:t>
+              <a:t>(Find the Smallest) Write a program that finds the smallest of several integers. Assume that the first value read specifies the number of values to read.</a:t>
             </a:r>
             <a:endParaRPr lang="en-GB" dirty="0">
               <a:solidFill>
@@ -27181,7 +27177,7 @@
     </p:spTree>
     <p:extLst>
       <p:ext uri="{BB962C8B-B14F-4D97-AF65-F5344CB8AC3E}">
-        <p14:creationId xmlns:p14="http://schemas.microsoft.com/office/powerpoint/2010/main" val="1915274791"/>
+        <p14:creationId xmlns:p14="http://schemas.microsoft.com/office/powerpoint/2010/main" val="1709147173"/>
       </p:ext>
     </p:extLst>
   </p:cSld>
@@ -27245,7 +27241,7 @@
                 </a:solidFill>
                 <a:latin typeface="+mj-lt"/>
               </a:rPr>
-              <a:t>Exercise 03</a:t>
+              <a:t>Exercise 04</a:t>
             </a:r>
             <a:endParaRPr lang="en-US" dirty="0">
               <a:solidFill>
@@ -27291,7 +27287,35 @@
                 <a:effectLst/>
                 <a:latin typeface="Segoe UI Historic" panose="020B0502040204020203" pitchFamily="34" charset="0"/>
               </a:rPr>
-              <a:t>(Find the Smallest) Write a program that finds the smallest of several integers. Assume that the first value read specifies the number of values to read.</a:t>
+              <a:t>Write a program that reads an integer, and then prints the sum of the even and odd digits. For example, if the user enters 12245, the program outputs:</a:t>
+            </a:r>
+          </a:p>
+          <a:p>
+            <a:pPr marL="0" indent="0">
+              <a:buNone/>
+            </a:pPr>
+            <a:r>
+              <a:rPr lang="en-GB" dirty="0">
+                <a:solidFill>
+                  <a:srgbClr val="FFFFFF"/>
+                </a:solidFill>
+                <a:latin typeface="Segoe UI Historic" panose="020B0502040204020203" pitchFamily="34" charset="0"/>
+              </a:rPr>
+              <a:t>		the sum of even digits is: 8 </a:t>
+            </a:r>
+          </a:p>
+          <a:p>
+            <a:pPr marL="0" indent="0">
+              <a:buNone/>
+            </a:pPr>
+            <a:r>
+              <a:rPr lang="en-GB" dirty="0">
+                <a:solidFill>
+                  <a:srgbClr val="FFFFFF"/>
+                </a:solidFill>
+                <a:latin typeface="Segoe UI Historic" panose="020B0502040204020203" pitchFamily="34" charset="0"/>
+              </a:rPr>
+              <a:t>		the sum of odd digits is: 6 </a:t>
             </a:r>
             <a:endParaRPr lang="en-GB" dirty="0">
               <a:solidFill>
@@ -27304,7 +27328,7 @@
     </p:spTree>
     <p:extLst>
       <p:ext uri="{BB962C8B-B14F-4D97-AF65-F5344CB8AC3E}">
-        <p14:creationId xmlns:p14="http://schemas.microsoft.com/office/powerpoint/2010/main" val="1709147173"/>
+        <p14:creationId xmlns:p14="http://schemas.microsoft.com/office/powerpoint/2010/main" val="391812510"/>
       </p:ext>
     </p:extLst>
   </p:cSld>
@@ -27368,7 +27392,7 @@
                 </a:solidFill>
                 <a:latin typeface="+mj-lt"/>
               </a:rPr>
-              <a:t>Exercise 04</a:t>
+              <a:t>Exercise 05</a:t>
             </a:r>
             <a:endParaRPr lang="en-US" dirty="0">
               <a:solidFill>
@@ -27414,35 +27438,7 @@
                 <a:effectLst/>
                 <a:latin typeface="Segoe UI Historic" panose="020B0502040204020203" pitchFamily="34" charset="0"/>
               </a:rPr>
-              <a:t>Write a program that reads an integer, and then prints the sum of the even and odd digits. For example, if the user enters 12245, the program outputs:</a:t>
-            </a:r>
-          </a:p>
-          <a:p>
-            <a:pPr marL="0" indent="0">
-              <a:buNone/>
-            </a:pPr>
-            <a:r>
-              <a:rPr lang="en-GB" dirty="0">
-                <a:solidFill>
-                  <a:srgbClr val="FFFFFF"/>
-                </a:solidFill>
-                <a:latin typeface="Segoe UI Historic" panose="020B0502040204020203" pitchFamily="34" charset="0"/>
-              </a:rPr>
-              <a:t>		the sum of even digits is: 8 </a:t>
-            </a:r>
-          </a:p>
-          <a:p>
-            <a:pPr marL="0" indent="0">
-              <a:buNone/>
-            </a:pPr>
-            <a:r>
-              <a:rPr lang="en-GB" dirty="0">
-                <a:solidFill>
-                  <a:srgbClr val="FFFFFF"/>
-                </a:solidFill>
-                <a:latin typeface="Segoe UI Historic" panose="020B0502040204020203" pitchFamily="34" charset="0"/>
-              </a:rPr>
-              <a:t>		the sum of odd digits is: 6 </a:t>
+              <a:t>Write a program to print out all Armstrong numbers between 1 and 500. If sum of cubes of each digit of the number is equal to the number itself, then the number is called an Armstrong number. For example, 153 = ( 1 * 1 * 1 ) + ( 5 * 5 * 5 ) + ( 3 * 3 * 3 )</a:t>
             </a:r>
             <a:endParaRPr lang="en-GB" dirty="0">
               <a:solidFill>
@@ -27455,7 +27451,7 @@
     </p:spTree>
     <p:extLst>
       <p:ext uri="{BB962C8B-B14F-4D97-AF65-F5344CB8AC3E}">
-        <p14:creationId xmlns:p14="http://schemas.microsoft.com/office/powerpoint/2010/main" val="391812510"/>
+        <p14:creationId xmlns:p14="http://schemas.microsoft.com/office/powerpoint/2010/main" val="2699652752"/>
       </p:ext>
     </p:extLst>
   </p:cSld>
@@ -27519,7 +27515,7 @@
                 </a:solidFill>
                 <a:latin typeface="+mj-lt"/>
               </a:rPr>
-              <a:t>Exercise 05</a:t>
+              <a:t>Exercise 06</a:t>
             </a:r>
             <a:endParaRPr lang="en-US" dirty="0">
               <a:solidFill>
@@ -27529,56 +27525,214 @@
           </a:p>
         </p:txBody>
       </p:sp>
-      <p:sp>
-        <p:nvSpPr>
-          <p:cNvPr id="5" name="Content Placeholder 2">
+      <mc:AlternateContent xmlns:mc="http://schemas.openxmlformats.org/markup-compatibility/2006" xmlns:a14="http://schemas.microsoft.com/office/drawing/2010/main">
+        <mc:Choice Requires="a14">
+          <p:sp>
+            <p:nvSpPr>
+              <p:cNvPr id="5" name="Content Placeholder 2">
+                <a:extLst>
+                  <a:ext uri="{FF2B5EF4-FFF2-40B4-BE49-F238E27FC236}">
+                    <a16:creationId xmlns:a16="http://schemas.microsoft.com/office/drawing/2014/main" id="{485CCAC1-7BE3-4210-BC06-BA1F1B616B8B}"/>
+                  </a:ext>
+                </a:extLst>
+              </p:cNvPr>
+              <p:cNvSpPr>
+                <a:spLocks noGrp="1"/>
+              </p:cNvSpPr>
+              <p:nvPr>
+                <p:ph idx="1"/>
+              </p:nvPr>
+            </p:nvSpPr>
+            <p:spPr>
+              <a:xfrm>
+                <a:off x="565609" y="1690688"/>
+                <a:ext cx="10788192" cy="4486275"/>
+              </a:xfrm>
+            </p:spPr>
+            <p:txBody>
+              <a:bodyPr>
+                <a:normAutofit/>
+              </a:bodyPr>
+              <a:lstStyle/>
+              <a:p>
+                <a:r>
+                  <a:rPr lang="en-GB" b="0" i="0" dirty="0">
+                    <a:solidFill>
+                      <a:srgbClr val="FFFFFF"/>
+                    </a:solidFill>
+                    <a:effectLst/>
+                    <a:latin typeface="Segoe UI Historic" panose="020B0502040204020203" pitchFamily="34" charset="0"/>
+                  </a:rPr>
+                  <a:t>(Triangle-Printing Program) Write a program that prints the following patterns separately, one below the other. Use for loops to generate the patterns. All asterisks (*) should be printed by a single </a:t>
+                </a:r>
+                <a14:m>
+                  <m:oMath xmlns:m="http://schemas.openxmlformats.org/officeDocument/2006/math">
+                    <m:r>
+                      <a:rPr lang="en-GB" b="0" i="1" dirty="0" smtClean="0">
+                        <a:solidFill>
+                          <a:srgbClr val="FFFFFF"/>
+                        </a:solidFill>
+                        <a:effectLst/>
+                        <a:latin typeface="Cambria Math" panose="02040503050406030204" pitchFamily="18" charset="0"/>
+                      </a:rPr>
+                      <m:t>𝑝𝑟𝑖𝑛𝑡𝑓</m:t>
+                    </m:r>
+                  </m:oMath>
+                </a14:m>
+                <a:r>
+                  <a:rPr lang="en-GB" b="0" i="0" dirty="0">
+                    <a:solidFill>
+                      <a:srgbClr val="FFFFFF"/>
+                    </a:solidFill>
+                    <a:effectLst/>
+                    <a:latin typeface="Segoe UI Historic" panose="020B0502040204020203" pitchFamily="34" charset="0"/>
+                  </a:rPr>
+                  <a:t> statement of the form </a:t>
+                </a:r>
+                <a14:m>
+                  <m:oMath xmlns:m="http://schemas.openxmlformats.org/officeDocument/2006/math">
+                    <m:r>
+                      <a:rPr lang="en-GB" b="0" i="1" dirty="0" smtClean="0">
+                        <a:solidFill>
+                          <a:srgbClr val="FFFFFF"/>
+                        </a:solidFill>
+                        <a:effectLst/>
+                        <a:latin typeface="Cambria Math" panose="02040503050406030204" pitchFamily="18" charset="0"/>
+                      </a:rPr>
+                      <m:t>𝑝𝑟𝑖𝑛𝑡𝑓</m:t>
+                    </m:r>
+                    <m:r>
+                      <a:rPr lang="en-GB" b="0" i="1" dirty="0" smtClean="0">
+                        <a:solidFill>
+                          <a:srgbClr val="FFFFFF"/>
+                        </a:solidFill>
+                        <a:effectLst/>
+                        <a:latin typeface="Cambria Math" panose="02040503050406030204" pitchFamily="18" charset="0"/>
+                      </a:rPr>
+                      <m:t>("%</m:t>
+                    </m:r>
+                    <m:r>
+                      <m:rPr>
+                        <m:sty m:val="p"/>
+                      </m:rPr>
+                      <a:rPr lang="en-GB" b="0" i="1" dirty="0" smtClean="0">
+                        <a:solidFill>
+                          <a:srgbClr val="FFFFFF"/>
+                        </a:solidFill>
+                        <a:effectLst/>
+                        <a:latin typeface="Cambria Math" panose="02040503050406030204" pitchFamily="18" charset="0"/>
+                      </a:rPr>
+                      <m:t>s</m:t>
+                    </m:r>
+                    <m:r>
+                      <a:rPr lang="en-GB" b="0" i="1" dirty="0" smtClean="0">
+                        <a:solidFill>
+                          <a:srgbClr val="FFFFFF"/>
+                        </a:solidFill>
+                        <a:effectLst/>
+                        <a:latin typeface="Cambria Math" panose="02040503050406030204" pitchFamily="18" charset="0"/>
+                      </a:rPr>
+                      <m:t>", "∗"); </m:t>
+                    </m:r>
+                  </m:oMath>
+                </a14:m>
+                <a:r>
+                  <a:rPr lang="en-GB" b="0" i="0" dirty="0">
+                    <a:solidFill>
+                      <a:srgbClr val="FFFFFF"/>
+                    </a:solidFill>
+                    <a:effectLst/>
+                    <a:latin typeface="Segoe UI Historic" panose="020B0502040204020203" pitchFamily="34" charset="0"/>
+                  </a:rPr>
+                  <a:t>(this causes the asterisks to print side by side). [Hint: The last two patterns require that each line begin with an appropriate number of blanks.]</a:t>
+                </a:r>
+                <a:endParaRPr lang="en-GB" dirty="0">
+                  <a:solidFill>
+                    <a:schemeClr val="bg1"/>
+                  </a:solidFill>
+                </a:endParaRPr>
+              </a:p>
+            </p:txBody>
+          </p:sp>
+        </mc:Choice>
+        <mc:Fallback xmlns="">
+          <p:sp>
+            <p:nvSpPr>
+              <p:cNvPr id="5" name="Content Placeholder 2">
+                <a:extLst>
+                  <a:ext uri="{FF2B5EF4-FFF2-40B4-BE49-F238E27FC236}">
+                    <a16:creationId xmlns:a16="http://schemas.microsoft.com/office/drawing/2014/main" id="{485CCAC1-7BE3-4210-BC06-BA1F1B616B8B}"/>
+                  </a:ext>
+                </a:extLst>
+              </p:cNvPr>
+              <p:cNvSpPr>
+                <a:spLocks noGrp="1" noRot="1" noChangeAspect="1" noMove="1" noResize="1" noEditPoints="1" noAdjustHandles="1" noChangeArrowheads="1" noChangeShapeType="1" noTextEdit="1"/>
+              </p:cNvSpPr>
+              <p:nvPr>
+                <p:ph idx="1"/>
+              </p:nvPr>
+            </p:nvSpPr>
+            <p:spPr>
+              <a:xfrm>
+                <a:off x="565609" y="1690688"/>
+                <a:ext cx="10788192" cy="4486275"/>
+              </a:xfrm>
+              <a:blipFill>
+                <a:blip r:embed="rId2"/>
+                <a:stretch>
+                  <a:fillRect l="-1017" t="-2310" r="-1130"/>
+                </a:stretch>
+              </a:blipFill>
+            </p:spPr>
+            <p:txBody>
+              <a:bodyPr/>
+              <a:lstStyle/>
+              <a:p>
+                <a:r>
+                  <a:rPr lang="en-US">
+                    <a:noFill/>
+                  </a:rPr>
+                  <a:t> </a:t>
+                </a:r>
+              </a:p>
+            </p:txBody>
+          </p:sp>
+        </mc:Fallback>
+      </mc:AlternateContent>
+      <p:pic>
+        <p:nvPicPr>
+          <p:cNvPr id="4" name="Picture 3">
             <a:extLst>
               <a:ext uri="{FF2B5EF4-FFF2-40B4-BE49-F238E27FC236}">
-                <a16:creationId xmlns:a16="http://schemas.microsoft.com/office/drawing/2014/main" id="{485CCAC1-7BE3-4210-BC06-BA1F1B616B8B}"/>
+                <a16:creationId xmlns:a16="http://schemas.microsoft.com/office/drawing/2014/main" id="{280B4F42-D770-4B72-A421-388D42717DF3}"/>
               </a:ext>
             </a:extLst>
           </p:cNvPr>
-          <p:cNvSpPr>
-            <a:spLocks noGrp="1"/>
-          </p:cNvSpPr>
-          <p:nvPr>
-            <p:ph idx="1"/>
-          </p:nvPr>
-        </p:nvSpPr>
+          <p:cNvPicPr>
+            <a:picLocks noChangeAspect="1"/>
+          </p:cNvPicPr>
+          <p:nvPr/>
+        </p:nvPicPr>
+        <p:blipFill>
+          <a:blip r:embed="rId3"/>
+          <a:stretch>
+            <a:fillRect/>
+          </a:stretch>
+        </p:blipFill>
         <p:spPr>
           <a:xfrm>
-            <a:off x="565609" y="1690688"/>
-            <a:ext cx="10788192" cy="4486275"/>
+            <a:off x="2445420" y="4241325"/>
+            <a:ext cx="8696325" cy="2428875"/>
           </a:xfrm>
+          <a:prstGeom prst="rect">
+            <a:avLst/>
+          </a:prstGeom>
         </p:spPr>
-        <p:txBody>
-          <a:bodyPr>
-            <a:normAutofit/>
-          </a:bodyPr>
-          <a:lstStyle/>
-          <a:p>
-            <a:r>
-              <a:rPr lang="en-GB" b="0" i="0" dirty="0">
-                <a:solidFill>
-                  <a:srgbClr val="FFFFFF"/>
-                </a:solidFill>
-                <a:effectLst/>
-                <a:latin typeface="Segoe UI Historic" panose="020B0502040204020203" pitchFamily="34" charset="0"/>
-              </a:rPr>
-              <a:t>Write a program to print out all Armstrong numbers between 1 and 500. If sum of cubes of each digit of the number is equal to the number itself, then the number is called an Armstrong number. For example, 153 = ( 1 * 1 * 1 ) + ( 5 * 5 * 5 ) + ( 3 * 3 * 3 )</a:t>
-            </a:r>
-            <a:endParaRPr lang="en-GB" dirty="0">
-              <a:solidFill>
-                <a:schemeClr val="bg1"/>
-              </a:solidFill>
-            </a:endParaRPr>
-          </a:p>
-        </p:txBody>
-      </p:sp>
+      </p:pic>
     </p:spTree>
     <p:extLst>
       <p:ext uri="{BB962C8B-B14F-4D97-AF65-F5344CB8AC3E}">
-        <p14:creationId xmlns:p14="http://schemas.microsoft.com/office/powerpoint/2010/main" val="2699652752"/>
+        <p14:creationId xmlns:p14="http://schemas.microsoft.com/office/powerpoint/2010/main" val="2146482977"/>
       </p:ext>
     </p:extLst>
   </p:cSld>
@@ -27642,7 +27796,7 @@
                 </a:solidFill>
                 <a:latin typeface="+mj-lt"/>
               </a:rPr>
-              <a:t>Exercise 06</a:t>
+              <a:t>Exercise 07</a:t>
             </a:r>
             <a:endParaRPr lang="en-US" dirty="0">
               <a:solidFill>
@@ -27652,68 +27806,273 @@
           </a:p>
         </p:txBody>
       </p:sp>
-      <p:sp>
-        <p:nvSpPr>
-          <p:cNvPr id="5" name="Content Placeholder 2">
+      <mc:AlternateContent xmlns:mc="http://schemas.openxmlformats.org/markup-compatibility/2006" xmlns:a14="http://schemas.microsoft.com/office/drawing/2010/main">
+        <mc:Choice Requires="a14">
+          <p:sp>
+            <p:nvSpPr>
+              <p:cNvPr id="5" name="Content Placeholder 2">
+                <a:extLst>
+                  <a:ext uri="{FF2B5EF4-FFF2-40B4-BE49-F238E27FC236}">
+                    <a16:creationId xmlns:a16="http://schemas.microsoft.com/office/drawing/2014/main" id="{485CCAC1-7BE3-4210-BC06-BA1F1B616B8B}"/>
+                  </a:ext>
+                </a:extLst>
+              </p:cNvPr>
+              <p:cNvSpPr>
+                <a:spLocks noGrp="1"/>
+              </p:cNvSpPr>
+              <p:nvPr>
+                <p:ph idx="1"/>
+              </p:nvPr>
+            </p:nvSpPr>
+            <p:spPr>
+              <a:xfrm>
+                <a:off x="565609" y="1690688"/>
+                <a:ext cx="10788192" cy="4908075"/>
+              </a:xfrm>
+            </p:spPr>
+            <p:txBody>
+              <a:bodyPr>
+                <a:normAutofit fontScale="92500" lnSpcReduction="20000"/>
+              </a:bodyPr>
+              <a:lstStyle/>
+              <a:p>
+                <a:r>
+                  <a:rPr lang="en-GB" dirty="0">
+                    <a:solidFill>
+                      <a:srgbClr val="FFFFFF"/>
+                    </a:solidFill>
+                    <a:latin typeface="Segoe UI Historic" panose="020B0502040204020203" pitchFamily="34" charset="0"/>
+                  </a:rPr>
+                  <a:t>(Calculating Sales) An online retailer sells five different products whose retail prices are shown in the following table:</a:t>
+                </a:r>
+                <a:br>
+                  <a:rPr lang="en-GB" dirty="0">
+                    <a:solidFill>
+                      <a:srgbClr val="FFFFFF"/>
+                    </a:solidFill>
+                    <a:latin typeface="Segoe UI Historic" panose="020B0502040204020203" pitchFamily="34" charset="0"/>
+                  </a:rPr>
+                </a:br>
+                <a:br>
+                  <a:rPr lang="en-GB" dirty="0">
+                    <a:solidFill>
+                      <a:srgbClr val="FFFFFF"/>
+                    </a:solidFill>
+                    <a:latin typeface="Segoe UI Historic" panose="020B0502040204020203" pitchFamily="34" charset="0"/>
+                  </a:rPr>
+                </a:br>
+                <a:br>
+                  <a:rPr lang="en-GB" dirty="0">
+                    <a:solidFill>
+                      <a:srgbClr val="FFFFFF"/>
+                    </a:solidFill>
+                    <a:latin typeface="Segoe UI Historic" panose="020B0502040204020203" pitchFamily="34" charset="0"/>
+                  </a:rPr>
+                </a:br>
+                <a:br>
+                  <a:rPr lang="en-GB" dirty="0">
+                    <a:solidFill>
+                      <a:srgbClr val="FFFFFF"/>
+                    </a:solidFill>
+                    <a:latin typeface="Segoe UI Historic" panose="020B0502040204020203" pitchFamily="34" charset="0"/>
+                  </a:rPr>
+                </a:br>
+                <a:br>
+                  <a:rPr lang="en-GB" dirty="0">
+                    <a:solidFill>
+                      <a:srgbClr val="FFFFFF"/>
+                    </a:solidFill>
+                    <a:latin typeface="Segoe UI Historic" panose="020B0502040204020203" pitchFamily="34" charset="0"/>
+                  </a:rPr>
+                </a:br>
+                <a:br>
+                  <a:rPr lang="en-GB" dirty="0">
+                    <a:solidFill>
+                      <a:srgbClr val="FFFFFF"/>
+                    </a:solidFill>
+                    <a:latin typeface="Segoe UI Historic" panose="020B0502040204020203" pitchFamily="34" charset="0"/>
+                  </a:rPr>
+                </a:br>
+                <a:br>
+                  <a:rPr lang="en-GB" dirty="0">
+                    <a:solidFill>
+                      <a:srgbClr val="FFFFFF"/>
+                    </a:solidFill>
+                    <a:latin typeface="Segoe UI Historic" panose="020B0502040204020203" pitchFamily="34" charset="0"/>
+                  </a:rPr>
+                </a:br>
+                <a:endParaRPr lang="en-GB" dirty="0">
+                  <a:solidFill>
+                    <a:srgbClr val="FFFFFF"/>
+                  </a:solidFill>
+                  <a:latin typeface="Segoe UI Historic" panose="020B0502040204020203" pitchFamily="34" charset="0"/>
+                </a:endParaRPr>
+              </a:p>
+              <a:p>
+                <a:pPr marL="0" indent="0">
+                  <a:buNone/>
+                </a:pPr>
+                <a:r>
+                  <a:rPr lang="en-GB" dirty="0">
+                    <a:solidFill>
+                      <a:schemeClr val="bg1"/>
+                    </a:solidFill>
+                  </a:rPr>
+                  <a:t>Write a program that reads a series of pairs of numbers as follows:</a:t>
+                </a:r>
+              </a:p>
+              <a:p>
+                <a:pPr marL="0" indent="0">
+                  <a:buNone/>
+                </a:pPr>
+                <a:r>
+                  <a:rPr lang="en-GB" dirty="0">
+                    <a:solidFill>
+                      <a:schemeClr val="bg1"/>
+                    </a:solidFill>
+                  </a:rPr>
+                  <a:t>	a) Product number</a:t>
+                </a:r>
+              </a:p>
+              <a:p>
+                <a:pPr marL="0" indent="0">
+                  <a:buNone/>
+                </a:pPr>
+                <a:r>
+                  <a:rPr lang="en-GB" dirty="0">
+                    <a:solidFill>
+                      <a:schemeClr val="bg1"/>
+                    </a:solidFill>
+                  </a:rPr>
+                  <a:t>	b) Quantity sold for one day</a:t>
+                </a:r>
+                <a:br>
+                  <a:rPr lang="en-GB" dirty="0">
+                    <a:solidFill>
+                      <a:schemeClr val="bg1"/>
+                    </a:solidFill>
+                  </a:rPr>
+                </a:br>
+                <a:r>
+                  <a:rPr lang="en-GB" dirty="0">
+                    <a:solidFill>
+                      <a:schemeClr val="bg1"/>
+                    </a:solidFill>
+                  </a:rPr>
+                  <a:t>Your program should use a </a:t>
+                </a:r>
+                <a14:m>
+                  <m:oMath xmlns:m="http://schemas.openxmlformats.org/officeDocument/2006/math">
+                    <m:r>
+                      <a:rPr lang="en-GB" i="1" dirty="0" smtClean="0">
+                        <a:solidFill>
+                          <a:schemeClr val="bg1"/>
+                        </a:solidFill>
+                        <a:latin typeface="Cambria Math" panose="02040503050406030204" pitchFamily="18" charset="0"/>
+                      </a:rPr>
+                      <m:t>𝑠𝑤𝑖𝑡𝑐</m:t>
+                    </m:r>
+                    <m:r>
+                      <a:rPr lang="en-GB" i="1" dirty="0" smtClean="0">
+                        <a:solidFill>
+                          <a:schemeClr val="bg1"/>
+                        </a:solidFill>
+                        <a:latin typeface="Cambria Math" panose="02040503050406030204" pitchFamily="18" charset="0"/>
+                      </a:rPr>
+                      <m:t>h</m:t>
+                    </m:r>
+                  </m:oMath>
+                </a14:m>
+                <a:r>
+                  <a:rPr lang="en-GB" dirty="0">
+                    <a:solidFill>
+                      <a:schemeClr val="bg1"/>
+                    </a:solidFill>
+                  </a:rPr>
+                  <a:t> statement to help determine the retail price for each product. Your program should calculate and display the total retail value of all products sold last week.</a:t>
+                </a:r>
+              </a:p>
+            </p:txBody>
+          </p:sp>
+        </mc:Choice>
+        <mc:Fallback xmlns="">
+          <p:sp>
+            <p:nvSpPr>
+              <p:cNvPr id="5" name="Content Placeholder 2">
+                <a:extLst>
+                  <a:ext uri="{FF2B5EF4-FFF2-40B4-BE49-F238E27FC236}">
+                    <a16:creationId xmlns:a16="http://schemas.microsoft.com/office/drawing/2014/main" id="{485CCAC1-7BE3-4210-BC06-BA1F1B616B8B}"/>
+                  </a:ext>
+                </a:extLst>
+              </p:cNvPr>
+              <p:cNvSpPr>
+                <a:spLocks noGrp="1" noRot="1" noChangeAspect="1" noMove="1" noResize="1" noEditPoints="1" noAdjustHandles="1" noChangeArrowheads="1" noChangeShapeType="1" noTextEdit="1"/>
+              </p:cNvSpPr>
+              <p:nvPr>
+                <p:ph idx="1"/>
+              </p:nvPr>
+            </p:nvSpPr>
+            <p:spPr>
+              <a:xfrm>
+                <a:off x="565609" y="1690688"/>
+                <a:ext cx="10788192" cy="4908075"/>
+              </a:xfrm>
+              <a:blipFill>
+                <a:blip r:embed="rId2"/>
+                <a:stretch>
+                  <a:fillRect l="-1017" t="-3354" r="-1469"/>
+                </a:stretch>
+              </a:blipFill>
+            </p:spPr>
+            <p:txBody>
+              <a:bodyPr/>
+              <a:lstStyle/>
+              <a:p>
+                <a:r>
+                  <a:rPr lang="en-US">
+                    <a:noFill/>
+                  </a:rPr>
+                  <a:t> </a:t>
+                </a:r>
+              </a:p>
+            </p:txBody>
+          </p:sp>
+        </mc:Fallback>
+      </mc:AlternateContent>
+      <p:pic>
+        <p:nvPicPr>
+          <p:cNvPr id="6" name="Picture 5">
             <a:extLst>
               <a:ext uri="{FF2B5EF4-FFF2-40B4-BE49-F238E27FC236}">
-                <a16:creationId xmlns:a16="http://schemas.microsoft.com/office/drawing/2014/main" id="{485CCAC1-7BE3-4210-BC06-BA1F1B616B8B}"/>
+                <a16:creationId xmlns:a16="http://schemas.microsoft.com/office/drawing/2014/main" id="{C6C63807-BD27-4E6B-A9FA-A560F930E299}"/>
               </a:ext>
             </a:extLst>
           </p:cNvPr>
-          <p:cNvSpPr>
-            <a:spLocks noGrp="1"/>
-          </p:cNvSpPr>
-          <p:nvPr>
-            <p:ph idx="1"/>
-          </p:nvPr>
-        </p:nvSpPr>
+          <p:cNvPicPr>
+            <a:picLocks noChangeAspect="1"/>
+          </p:cNvPicPr>
+          <p:nvPr/>
+        </p:nvPicPr>
+        <p:blipFill>
+          <a:blip r:embed="rId3"/>
+          <a:stretch>
+            <a:fillRect/>
+          </a:stretch>
+        </p:blipFill>
         <p:spPr>
           <a:xfrm>
-            <a:off x="565609" y="1690688"/>
-            <a:ext cx="10788192" cy="4486275"/>
+            <a:off x="4551672" y="2346833"/>
+            <a:ext cx="2584417" cy="1920955"/>
           </a:xfrm>
+          <a:prstGeom prst="rect">
+            <a:avLst/>
+          </a:prstGeom>
         </p:spPr>
-        <p:txBody>
-          <a:bodyPr>
-            <a:normAutofit/>
-          </a:bodyPr>
-          <a:lstStyle/>
-          <a:p>
-            <a:r>
-              <a:rPr lang="en-GB" b="0" i="0" dirty="0">
-                <a:solidFill>
-                  <a:srgbClr val="FFFFFF"/>
-                </a:solidFill>
-                <a:effectLst/>
-                <a:latin typeface="Segoe UI Historic" panose="020B0502040204020203" pitchFamily="34" charset="0"/>
-              </a:rPr>
-              <a:t>(Factorials) The factorial function is used frequently in probability problems. The factorial of a positive integer n (written n! and pronounced “n factorial”) is equal to the product of the positive integers from 1 to n. Write a program that evaluates the factorials of the integers from 1 to 5. Print the results in tabular format. </a:t>
-            </a:r>
-          </a:p>
-          <a:p>
-            <a:r>
-              <a:rPr lang="en-GB" b="0" i="0" dirty="0">
-                <a:solidFill>
-                  <a:srgbClr val="FFFFFF"/>
-                </a:solidFill>
-                <a:effectLst/>
-                <a:latin typeface="Segoe UI Historic" panose="020B0502040204020203" pitchFamily="34" charset="0"/>
-              </a:rPr>
-              <a:t>What difficulty might prevent you from calculating the factorial of 20?</a:t>
-            </a:r>
-            <a:endParaRPr lang="en-GB" dirty="0">
-              <a:solidFill>
-                <a:schemeClr val="bg1"/>
-              </a:solidFill>
-            </a:endParaRPr>
-          </a:p>
-        </p:txBody>
-      </p:sp>
+      </p:pic>
     </p:spTree>
     <p:extLst>
       <p:ext uri="{BB962C8B-B14F-4D97-AF65-F5344CB8AC3E}">
-        <p14:creationId xmlns:p14="http://schemas.microsoft.com/office/powerpoint/2010/main" val="3277114010"/>
+        <p14:creationId xmlns:p14="http://schemas.microsoft.com/office/powerpoint/2010/main" val="3952185140"/>
       </p:ext>
     </p:extLst>
   </p:cSld>
@@ -27781,8 +28140,8 @@
           </a:p>
         </p:txBody>
       </p:sp>
-      <mc:AlternateContent xmlns:mc="http://schemas.openxmlformats.org/markup-compatibility/2006">
-        <mc:Choice xmlns:a14="http://schemas.microsoft.com/office/drawing/2010/main" Requires="a14">
+      <mc:AlternateContent xmlns:mc="http://schemas.openxmlformats.org/markup-compatibility/2006" xmlns:a14="http://schemas.microsoft.com/office/drawing/2010/main">
+        <mc:Choice Requires="a14">
           <p:graphicFrame>
             <p:nvGraphicFramePr>
               <p:cNvPr id="3" name="Table 3">
@@ -28112,7 +28471,7 @@
             </a:graphic>
           </p:graphicFrame>
         </mc:Choice>
-        <mc:Fallback>
+        <mc:Fallback xmlns="">
           <p:graphicFrame>
             <p:nvGraphicFramePr>
               <p:cNvPr id="3" name="Table 3">
@@ -28431,7 +28790,7 @@
                 </a:solidFill>
                 <a:latin typeface="+mj-lt"/>
               </a:rPr>
-              <a:t>Exercise 07</a:t>
+              <a:t>Exercise 08</a:t>
             </a:r>
             <a:endParaRPr lang="en-US" dirty="0">
               <a:solidFill>
@@ -28441,214 +28800,56 @@
           </a:p>
         </p:txBody>
       </p:sp>
-      <mc:AlternateContent xmlns:mc="http://schemas.openxmlformats.org/markup-compatibility/2006">
-        <mc:Choice xmlns:a14="http://schemas.microsoft.com/office/drawing/2010/main" Requires="a14">
-          <p:sp>
-            <p:nvSpPr>
-              <p:cNvPr id="5" name="Content Placeholder 2">
-                <a:extLst>
-                  <a:ext uri="{FF2B5EF4-FFF2-40B4-BE49-F238E27FC236}">
-                    <a16:creationId xmlns:a16="http://schemas.microsoft.com/office/drawing/2014/main" id="{485CCAC1-7BE3-4210-BC06-BA1F1B616B8B}"/>
-                  </a:ext>
-                </a:extLst>
-              </p:cNvPr>
-              <p:cNvSpPr>
-                <a:spLocks noGrp="1"/>
-              </p:cNvSpPr>
-              <p:nvPr>
-                <p:ph idx="1"/>
-              </p:nvPr>
-            </p:nvSpPr>
-            <p:spPr>
-              <a:xfrm>
-                <a:off x="565609" y="1690688"/>
-                <a:ext cx="10788192" cy="4486275"/>
-              </a:xfrm>
-            </p:spPr>
-            <p:txBody>
-              <a:bodyPr>
-                <a:normAutofit/>
-              </a:bodyPr>
-              <a:lstStyle/>
-              <a:p>
-                <a:r>
-                  <a:rPr lang="en-GB" b="0" i="0" dirty="0">
-                    <a:solidFill>
-                      <a:srgbClr val="FFFFFF"/>
-                    </a:solidFill>
-                    <a:effectLst/>
-                    <a:latin typeface="Segoe UI Historic" panose="020B0502040204020203" pitchFamily="34" charset="0"/>
-                  </a:rPr>
-                  <a:t>(Triangle-Printing Program) Write a program that prints the following patterns separately, one below the other. Use for loops to generate the patterns. All asterisks (*) should be printed by a single </a:t>
-                </a:r>
-                <a14:m>
-                  <m:oMath xmlns:m="http://schemas.openxmlformats.org/officeDocument/2006/math">
-                    <m:r>
-                      <a:rPr lang="en-GB" b="0" i="1" dirty="0" smtClean="0">
-                        <a:solidFill>
-                          <a:srgbClr val="FFFFFF"/>
-                        </a:solidFill>
-                        <a:effectLst/>
-                        <a:latin typeface="Cambria Math" panose="02040503050406030204" pitchFamily="18" charset="0"/>
-                      </a:rPr>
-                      <m:t>𝑝𝑟𝑖𝑛𝑡𝑓</m:t>
-                    </m:r>
-                  </m:oMath>
-                </a14:m>
-                <a:r>
-                  <a:rPr lang="en-GB" b="0" i="0" dirty="0">
-                    <a:solidFill>
-                      <a:srgbClr val="FFFFFF"/>
-                    </a:solidFill>
-                    <a:effectLst/>
-                    <a:latin typeface="Segoe UI Historic" panose="020B0502040204020203" pitchFamily="34" charset="0"/>
-                  </a:rPr>
-                  <a:t> statement of the form </a:t>
-                </a:r>
-                <a14:m>
-                  <m:oMath xmlns:m="http://schemas.openxmlformats.org/officeDocument/2006/math">
-                    <m:r>
-                      <a:rPr lang="en-GB" b="0" i="1" dirty="0" smtClean="0">
-                        <a:solidFill>
-                          <a:srgbClr val="FFFFFF"/>
-                        </a:solidFill>
-                        <a:effectLst/>
-                        <a:latin typeface="Cambria Math" panose="02040503050406030204" pitchFamily="18" charset="0"/>
-                      </a:rPr>
-                      <m:t>𝑝𝑟𝑖𝑛𝑡𝑓</m:t>
-                    </m:r>
-                    <m:r>
-                      <a:rPr lang="en-GB" b="0" i="1" dirty="0" smtClean="0">
-                        <a:solidFill>
-                          <a:srgbClr val="FFFFFF"/>
-                        </a:solidFill>
-                        <a:effectLst/>
-                        <a:latin typeface="Cambria Math" panose="02040503050406030204" pitchFamily="18" charset="0"/>
-                      </a:rPr>
-                      <m:t>("%</m:t>
-                    </m:r>
-                    <m:r>
-                      <m:rPr>
-                        <m:sty m:val="p"/>
-                      </m:rPr>
-                      <a:rPr lang="en-GB" b="0" i="1" dirty="0" smtClean="0">
-                        <a:solidFill>
-                          <a:srgbClr val="FFFFFF"/>
-                        </a:solidFill>
-                        <a:effectLst/>
-                        <a:latin typeface="Cambria Math" panose="02040503050406030204" pitchFamily="18" charset="0"/>
-                      </a:rPr>
-                      <m:t>s</m:t>
-                    </m:r>
-                    <m:r>
-                      <a:rPr lang="en-GB" b="0" i="1" dirty="0" smtClean="0">
-                        <a:solidFill>
-                          <a:srgbClr val="FFFFFF"/>
-                        </a:solidFill>
-                        <a:effectLst/>
-                        <a:latin typeface="Cambria Math" panose="02040503050406030204" pitchFamily="18" charset="0"/>
-                      </a:rPr>
-                      <m:t>", "*"); </m:t>
-                    </m:r>
-                  </m:oMath>
-                </a14:m>
-                <a:r>
-                  <a:rPr lang="en-GB" b="0" i="0" dirty="0">
-                    <a:solidFill>
-                      <a:srgbClr val="FFFFFF"/>
-                    </a:solidFill>
-                    <a:effectLst/>
-                    <a:latin typeface="Segoe UI Historic" panose="020B0502040204020203" pitchFamily="34" charset="0"/>
-                  </a:rPr>
-                  <a:t>(this causes the asterisks to print side by side). [Hint: The last two patterns require that each line begin with an appropriate number of blanks.]</a:t>
-                </a:r>
-                <a:endParaRPr lang="en-GB" dirty="0">
-                  <a:solidFill>
-                    <a:schemeClr val="bg1"/>
-                  </a:solidFill>
-                </a:endParaRPr>
-              </a:p>
-            </p:txBody>
-          </p:sp>
-        </mc:Choice>
-        <mc:Fallback>
-          <p:sp>
-            <p:nvSpPr>
-              <p:cNvPr id="5" name="Content Placeholder 2">
-                <a:extLst>
-                  <a:ext uri="{FF2B5EF4-FFF2-40B4-BE49-F238E27FC236}">
-                    <a16:creationId xmlns:a16="http://schemas.microsoft.com/office/drawing/2014/main" id="{485CCAC1-7BE3-4210-BC06-BA1F1B616B8B}"/>
-                  </a:ext>
-                </a:extLst>
-              </p:cNvPr>
-              <p:cNvSpPr>
-                <a:spLocks noGrp="1" noRot="1" noChangeAspect="1" noMove="1" noResize="1" noEditPoints="1" noAdjustHandles="1" noChangeArrowheads="1" noChangeShapeType="1" noTextEdit="1"/>
-              </p:cNvSpPr>
-              <p:nvPr>
-                <p:ph idx="1"/>
-              </p:nvPr>
-            </p:nvSpPr>
-            <p:spPr>
-              <a:xfrm>
-                <a:off x="565609" y="1690688"/>
-                <a:ext cx="10788192" cy="4486275"/>
-              </a:xfrm>
-              <a:blipFill>
-                <a:blip r:embed="rId2"/>
-                <a:stretch>
-                  <a:fillRect l="-1017" t="-2310" r="-1130"/>
-                </a:stretch>
-              </a:blipFill>
-            </p:spPr>
-            <p:txBody>
-              <a:bodyPr/>
-              <a:lstStyle/>
-              <a:p>
-                <a:r>
-                  <a:rPr lang="en-US">
-                    <a:noFill/>
-                  </a:rPr>
-                  <a:t> </a:t>
-                </a:r>
-              </a:p>
-            </p:txBody>
-          </p:sp>
-        </mc:Fallback>
-      </mc:AlternateContent>
-      <p:pic>
-        <p:nvPicPr>
-          <p:cNvPr id="4" name="Picture 3">
+      <p:sp>
+        <p:nvSpPr>
+          <p:cNvPr id="5" name="Content Placeholder 2">
             <a:extLst>
               <a:ext uri="{FF2B5EF4-FFF2-40B4-BE49-F238E27FC236}">
-                <a16:creationId xmlns:a16="http://schemas.microsoft.com/office/drawing/2014/main" id="{280B4F42-D770-4B72-A421-388D42717DF3}"/>
+                <a16:creationId xmlns:a16="http://schemas.microsoft.com/office/drawing/2014/main" id="{485CCAC1-7BE3-4210-BC06-BA1F1B616B8B}"/>
               </a:ext>
             </a:extLst>
           </p:cNvPr>
-          <p:cNvPicPr>
-            <a:picLocks noChangeAspect="1"/>
-          </p:cNvPicPr>
-          <p:nvPr/>
-        </p:nvPicPr>
-        <p:blipFill>
-          <a:blip r:embed="rId3"/>
-          <a:stretch>
-            <a:fillRect/>
-          </a:stretch>
-        </p:blipFill>
+          <p:cNvSpPr>
+            <a:spLocks noGrp="1"/>
+          </p:cNvSpPr>
+          <p:nvPr>
+            <p:ph idx="1"/>
+          </p:nvPr>
+        </p:nvSpPr>
         <p:spPr>
           <a:xfrm>
-            <a:off x="2445420" y="4241325"/>
-            <a:ext cx="8696325" cy="2428875"/>
+            <a:off x="565609" y="1690688"/>
+            <a:ext cx="10788192" cy="4908075"/>
           </a:xfrm>
-          <a:prstGeom prst="rect">
-            <a:avLst/>
-          </a:prstGeom>
         </p:spPr>
-      </p:pic>
+        <p:txBody>
+          <a:bodyPr>
+            <a:normAutofit/>
+          </a:bodyPr>
+          <a:lstStyle/>
+          <a:p>
+            <a:r>
+              <a:rPr lang="en-GB" b="0" i="0" dirty="0">
+                <a:solidFill>
+                  <a:srgbClr val="FFFFFF"/>
+                </a:solidFill>
+                <a:effectLst/>
+                <a:latin typeface="Segoe UI Historic" panose="020B0502040204020203" pitchFamily="34" charset="0"/>
+              </a:rPr>
+              <a:t>Write a program to calculate HCF of two given number. HCF (Highest Common Factor) or GCD (Greatest Common Divisor) of two numbers is the largest number that divides both of them. </a:t>
+            </a:r>
+            <a:endParaRPr lang="en-GB" dirty="0">
+              <a:solidFill>
+                <a:schemeClr val="bg1"/>
+              </a:solidFill>
+            </a:endParaRPr>
+          </a:p>
+        </p:txBody>
+      </p:sp>
     </p:spTree>
     <p:extLst>
       <p:ext uri="{BB962C8B-B14F-4D97-AF65-F5344CB8AC3E}">
-        <p14:creationId xmlns:p14="http://schemas.microsoft.com/office/powerpoint/2010/main" val="2146482977"/>
+        <p14:creationId xmlns:p14="http://schemas.microsoft.com/office/powerpoint/2010/main" val="2494715087"/>
       </p:ext>
     </p:extLst>
   </p:cSld>
@@ -28712,9 +28913,77 @@
                 </a:solidFill>
                 <a:latin typeface="+mj-lt"/>
               </a:rPr>
-              <a:t>Exercise 08</a:t>
-            </a:r>
-            <a:endParaRPr lang="en-US" dirty="0">
+              <a:t>Exercise 0</a:t>
+            </a:r>
+            <a:r>
+              <a:rPr lang="en-US" dirty="0">
+                <a:solidFill>
+                  <a:schemeClr val="bg1"/>
+                </a:solidFill>
+              </a:rPr>
+              <a:t>9</a:t>
+            </a:r>
+          </a:p>
+        </p:txBody>
+      </p:sp>
+      <p:sp>
+        <p:nvSpPr>
+          <p:cNvPr id="5" name="Content Placeholder 2">
+            <a:extLst>
+              <a:ext uri="{FF2B5EF4-FFF2-40B4-BE49-F238E27FC236}">
+                <a16:creationId xmlns:a16="http://schemas.microsoft.com/office/drawing/2014/main" id="{485CCAC1-7BE3-4210-BC06-BA1F1B616B8B}"/>
+              </a:ext>
+            </a:extLst>
+          </p:cNvPr>
+          <p:cNvSpPr>
+            <a:spLocks noGrp="1"/>
+          </p:cNvSpPr>
+          <p:nvPr>
+            <p:ph idx="1"/>
+          </p:nvPr>
+        </p:nvSpPr>
+        <p:spPr>
+          <a:xfrm>
+            <a:off x="565609" y="1690688"/>
+            <a:ext cx="10788192" cy="4908075"/>
+          </a:xfrm>
+        </p:spPr>
+        <p:txBody>
+          <a:bodyPr>
+            <a:normAutofit/>
+          </a:bodyPr>
+          <a:lstStyle/>
+          <a:p>
+            <a:r>
+              <a:rPr lang="en-GB" b="0" i="0" dirty="0">
+                <a:solidFill>
+                  <a:srgbClr val="FFFFFF"/>
+                </a:solidFill>
+                <a:effectLst/>
+                <a:latin typeface="Segoe UI Historic" panose="020B0502040204020203" pitchFamily="34" charset="0"/>
+              </a:rPr>
+              <a:t>Write a program to print Fibonacci series of n terms, where n is input by user. The Fibonacci sequence is a sequence where the next term is the sum of the previous two terms. The first two terms of the Fibonacci sequence are 0 followed by 1. </a:t>
+            </a:r>
+            <a:br>
+              <a:rPr lang="en-GB" b="0" i="0" dirty="0">
+                <a:solidFill>
+                  <a:srgbClr val="FFFFFF"/>
+                </a:solidFill>
+                <a:effectLst/>
+                <a:latin typeface="Segoe UI Historic" panose="020B0502040204020203" pitchFamily="34" charset="0"/>
+              </a:rPr>
+            </a:br>
+            <a:r>
+              <a:rPr lang="en-GB" b="0" i="0" dirty="0">
+                <a:solidFill>
+                  <a:srgbClr val="FFFFFF"/>
+                </a:solidFill>
+                <a:effectLst/>
+                <a:latin typeface="Segoe UI Historic" panose="020B0502040204020203" pitchFamily="34" charset="0"/>
+              </a:rPr>
+              <a:t>For Example: 0, 1, 1, 2, 3, 5, 8, 13, 21, ... , (n-1th + n-2th)</a:t>
+            </a:r>
+            <a:endParaRPr lang="en-GB" dirty="0">
               <a:solidFill>
                 <a:schemeClr val="bg1"/>
               </a:solidFill>
@@ -28722,273 +28991,10 @@
           </a:p>
         </p:txBody>
       </p:sp>
-      <mc:AlternateContent xmlns:mc="http://schemas.openxmlformats.org/markup-compatibility/2006">
-        <mc:Choice xmlns:a14="http://schemas.microsoft.com/office/drawing/2010/main" Requires="a14">
-          <p:sp>
-            <p:nvSpPr>
-              <p:cNvPr id="5" name="Content Placeholder 2">
-                <a:extLst>
-                  <a:ext uri="{FF2B5EF4-FFF2-40B4-BE49-F238E27FC236}">
-                    <a16:creationId xmlns:a16="http://schemas.microsoft.com/office/drawing/2014/main" id="{485CCAC1-7BE3-4210-BC06-BA1F1B616B8B}"/>
-                  </a:ext>
-                </a:extLst>
-              </p:cNvPr>
-              <p:cNvSpPr>
-                <a:spLocks noGrp="1"/>
-              </p:cNvSpPr>
-              <p:nvPr>
-                <p:ph idx="1"/>
-              </p:nvPr>
-            </p:nvSpPr>
-            <p:spPr>
-              <a:xfrm>
-                <a:off x="565609" y="1690688"/>
-                <a:ext cx="10788192" cy="4908075"/>
-              </a:xfrm>
-            </p:spPr>
-            <p:txBody>
-              <a:bodyPr>
-                <a:normAutofit fontScale="92500" lnSpcReduction="20000"/>
-              </a:bodyPr>
-              <a:lstStyle/>
-              <a:p>
-                <a:r>
-                  <a:rPr lang="en-GB" dirty="0">
-                    <a:solidFill>
-                      <a:srgbClr val="FFFFFF"/>
-                    </a:solidFill>
-                    <a:latin typeface="Segoe UI Historic" panose="020B0502040204020203" pitchFamily="34" charset="0"/>
-                  </a:rPr>
-                  <a:t>(Calculating Sales) An online retailer sells five different products whose retail prices are shown in the following table:</a:t>
-                </a:r>
-                <a:br>
-                  <a:rPr lang="en-GB" dirty="0">
-                    <a:solidFill>
-                      <a:srgbClr val="FFFFFF"/>
-                    </a:solidFill>
-                    <a:latin typeface="Segoe UI Historic" panose="020B0502040204020203" pitchFamily="34" charset="0"/>
-                  </a:rPr>
-                </a:br>
-                <a:br>
-                  <a:rPr lang="en-GB" dirty="0">
-                    <a:solidFill>
-                      <a:srgbClr val="FFFFFF"/>
-                    </a:solidFill>
-                    <a:latin typeface="Segoe UI Historic" panose="020B0502040204020203" pitchFamily="34" charset="0"/>
-                  </a:rPr>
-                </a:br>
-                <a:br>
-                  <a:rPr lang="en-GB" dirty="0">
-                    <a:solidFill>
-                      <a:srgbClr val="FFFFFF"/>
-                    </a:solidFill>
-                    <a:latin typeface="Segoe UI Historic" panose="020B0502040204020203" pitchFamily="34" charset="0"/>
-                  </a:rPr>
-                </a:br>
-                <a:br>
-                  <a:rPr lang="en-GB" dirty="0">
-                    <a:solidFill>
-                      <a:srgbClr val="FFFFFF"/>
-                    </a:solidFill>
-                    <a:latin typeface="Segoe UI Historic" panose="020B0502040204020203" pitchFamily="34" charset="0"/>
-                  </a:rPr>
-                </a:br>
-                <a:br>
-                  <a:rPr lang="en-GB" dirty="0">
-                    <a:solidFill>
-                      <a:srgbClr val="FFFFFF"/>
-                    </a:solidFill>
-                    <a:latin typeface="Segoe UI Historic" panose="020B0502040204020203" pitchFamily="34" charset="0"/>
-                  </a:rPr>
-                </a:br>
-                <a:br>
-                  <a:rPr lang="en-GB" dirty="0">
-                    <a:solidFill>
-                      <a:srgbClr val="FFFFFF"/>
-                    </a:solidFill>
-                    <a:latin typeface="Segoe UI Historic" panose="020B0502040204020203" pitchFamily="34" charset="0"/>
-                  </a:rPr>
-                </a:br>
-                <a:br>
-                  <a:rPr lang="en-GB" dirty="0">
-                    <a:solidFill>
-                      <a:srgbClr val="FFFFFF"/>
-                    </a:solidFill>
-                    <a:latin typeface="Segoe UI Historic" panose="020B0502040204020203" pitchFamily="34" charset="0"/>
-                  </a:rPr>
-                </a:br>
-                <a:endParaRPr lang="en-GB" dirty="0">
-                  <a:solidFill>
-                    <a:srgbClr val="FFFFFF"/>
-                  </a:solidFill>
-                  <a:latin typeface="Segoe UI Historic" panose="020B0502040204020203" pitchFamily="34" charset="0"/>
-                </a:endParaRPr>
-              </a:p>
-              <a:p>
-                <a:pPr marL="0" indent="0">
-                  <a:buNone/>
-                </a:pPr>
-                <a:r>
-                  <a:rPr lang="en-GB" dirty="0">
-                    <a:solidFill>
-                      <a:schemeClr val="bg1"/>
-                    </a:solidFill>
-                  </a:rPr>
-                  <a:t>Write a program that reads a series of pairs of numbers as follows:</a:t>
-                </a:r>
-              </a:p>
-              <a:p>
-                <a:pPr marL="0" indent="0">
-                  <a:buNone/>
-                </a:pPr>
-                <a:r>
-                  <a:rPr lang="en-GB" dirty="0">
-                    <a:solidFill>
-                      <a:schemeClr val="bg1"/>
-                    </a:solidFill>
-                  </a:rPr>
-                  <a:t>	a) Product number</a:t>
-                </a:r>
-              </a:p>
-              <a:p>
-                <a:pPr marL="0" indent="0">
-                  <a:buNone/>
-                </a:pPr>
-                <a:r>
-                  <a:rPr lang="en-GB" dirty="0">
-                    <a:solidFill>
-                      <a:schemeClr val="bg1"/>
-                    </a:solidFill>
-                  </a:rPr>
-                  <a:t>	b) Quantity sold for one day</a:t>
-                </a:r>
-                <a:br>
-                  <a:rPr lang="en-GB" dirty="0">
-                    <a:solidFill>
-                      <a:schemeClr val="bg1"/>
-                    </a:solidFill>
-                  </a:rPr>
-                </a:br>
-                <a:r>
-                  <a:rPr lang="en-GB" dirty="0">
-                    <a:solidFill>
-                      <a:schemeClr val="bg1"/>
-                    </a:solidFill>
-                  </a:rPr>
-                  <a:t>Your program should use a </a:t>
-                </a:r>
-                <a14:m>
-                  <m:oMath xmlns:m="http://schemas.openxmlformats.org/officeDocument/2006/math">
-                    <m:r>
-                      <a:rPr lang="en-GB" i="1" dirty="0" smtClean="0">
-                        <a:solidFill>
-                          <a:schemeClr val="bg1"/>
-                        </a:solidFill>
-                        <a:latin typeface="Cambria Math" panose="02040503050406030204" pitchFamily="18" charset="0"/>
-                      </a:rPr>
-                      <m:t>𝑠𝑤𝑖𝑡𝑐</m:t>
-                    </m:r>
-                    <m:r>
-                      <a:rPr lang="en-GB" i="1" dirty="0" smtClean="0">
-                        <a:solidFill>
-                          <a:schemeClr val="bg1"/>
-                        </a:solidFill>
-                        <a:latin typeface="Cambria Math" panose="02040503050406030204" pitchFamily="18" charset="0"/>
-                      </a:rPr>
-                      <m:t>h</m:t>
-                    </m:r>
-                  </m:oMath>
-                </a14:m>
-                <a:r>
-                  <a:rPr lang="en-GB" dirty="0">
-                    <a:solidFill>
-                      <a:schemeClr val="bg1"/>
-                    </a:solidFill>
-                  </a:rPr>
-                  <a:t> statement to help determine the retail price for each product. Your program should calculate and display the total retail value of all products sold last week.</a:t>
-                </a:r>
-              </a:p>
-            </p:txBody>
-          </p:sp>
-        </mc:Choice>
-        <mc:Fallback>
-          <p:sp>
-            <p:nvSpPr>
-              <p:cNvPr id="5" name="Content Placeholder 2">
-                <a:extLst>
-                  <a:ext uri="{FF2B5EF4-FFF2-40B4-BE49-F238E27FC236}">
-                    <a16:creationId xmlns:a16="http://schemas.microsoft.com/office/drawing/2014/main" id="{485CCAC1-7BE3-4210-BC06-BA1F1B616B8B}"/>
-                  </a:ext>
-                </a:extLst>
-              </p:cNvPr>
-              <p:cNvSpPr>
-                <a:spLocks noGrp="1" noRot="1" noChangeAspect="1" noMove="1" noResize="1" noEditPoints="1" noAdjustHandles="1" noChangeArrowheads="1" noChangeShapeType="1" noTextEdit="1"/>
-              </p:cNvSpPr>
-              <p:nvPr>
-                <p:ph idx="1"/>
-              </p:nvPr>
-            </p:nvSpPr>
-            <p:spPr>
-              <a:xfrm>
-                <a:off x="565609" y="1690688"/>
-                <a:ext cx="10788192" cy="4908075"/>
-              </a:xfrm>
-              <a:blipFill>
-                <a:blip r:embed="rId2"/>
-                <a:stretch>
-                  <a:fillRect l="-1017" t="-3354" r="-1469"/>
-                </a:stretch>
-              </a:blipFill>
-            </p:spPr>
-            <p:txBody>
-              <a:bodyPr/>
-              <a:lstStyle/>
-              <a:p>
-                <a:r>
-                  <a:rPr lang="en-US">
-                    <a:noFill/>
-                  </a:rPr>
-                  <a:t> </a:t>
-                </a:r>
-              </a:p>
-            </p:txBody>
-          </p:sp>
-        </mc:Fallback>
-      </mc:AlternateContent>
-      <p:pic>
-        <p:nvPicPr>
-          <p:cNvPr id="6" name="Picture 5">
-            <a:extLst>
-              <a:ext uri="{FF2B5EF4-FFF2-40B4-BE49-F238E27FC236}">
-                <a16:creationId xmlns:a16="http://schemas.microsoft.com/office/drawing/2014/main" id="{C6C63807-BD27-4E6B-A9FA-A560F930E299}"/>
-              </a:ext>
-            </a:extLst>
-          </p:cNvPr>
-          <p:cNvPicPr>
-            <a:picLocks noChangeAspect="1"/>
-          </p:cNvPicPr>
-          <p:nvPr/>
-        </p:nvPicPr>
-        <p:blipFill>
-          <a:blip r:embed="rId3"/>
-          <a:stretch>
-            <a:fillRect/>
-          </a:stretch>
-        </p:blipFill>
-        <p:spPr>
-          <a:xfrm>
-            <a:off x="4551672" y="2346833"/>
-            <a:ext cx="2584417" cy="1920955"/>
-          </a:xfrm>
-          <a:prstGeom prst="rect">
-            <a:avLst/>
-          </a:prstGeom>
-        </p:spPr>
-      </p:pic>
     </p:spTree>
     <p:extLst>
       <p:ext uri="{BB962C8B-B14F-4D97-AF65-F5344CB8AC3E}">
-        <p14:creationId xmlns:p14="http://schemas.microsoft.com/office/powerpoint/2010/main" val="3952185140"/>
+        <p14:creationId xmlns:p14="http://schemas.microsoft.com/office/powerpoint/2010/main" val="2801483096"/>
       </p:ext>
     </p:extLst>
   </p:cSld>
@@ -29052,66 +29058,352 @@
                 </a:solidFill>
                 <a:latin typeface="+mj-lt"/>
               </a:rPr>
-              <a:t>Exercise 09</a:t>
-            </a:r>
-            <a:endParaRPr lang="en-US" dirty="0">
-              <a:solidFill>
-                <a:schemeClr val="bg1"/>
-              </a:solidFill>
-            </a:endParaRPr>
+              <a:t>Exercise </a:t>
+            </a:r>
+            <a:r>
+              <a:rPr lang="en-US" dirty="0">
+                <a:solidFill>
+                  <a:schemeClr val="bg1"/>
+                </a:solidFill>
+              </a:rPr>
+              <a:t>10</a:t>
+            </a:r>
           </a:p>
         </p:txBody>
       </p:sp>
-      <p:sp>
-        <p:nvSpPr>
-          <p:cNvPr id="5" name="Content Placeholder 2">
-            <a:extLst>
-              <a:ext uri="{FF2B5EF4-FFF2-40B4-BE49-F238E27FC236}">
-                <a16:creationId xmlns:a16="http://schemas.microsoft.com/office/drawing/2014/main" id="{485CCAC1-7BE3-4210-BC06-BA1F1B616B8B}"/>
-              </a:ext>
-            </a:extLst>
-          </p:cNvPr>
-          <p:cNvSpPr>
-            <a:spLocks noGrp="1"/>
-          </p:cNvSpPr>
-          <p:nvPr>
-            <p:ph idx="1"/>
-          </p:nvPr>
-        </p:nvSpPr>
-        <p:spPr>
-          <a:xfrm>
-            <a:off x="565609" y="1690688"/>
-            <a:ext cx="10788192" cy="4908075"/>
-          </a:xfrm>
-        </p:spPr>
-        <p:txBody>
-          <a:bodyPr>
-            <a:normAutofit/>
-          </a:bodyPr>
-          <a:lstStyle/>
-          <a:p>
-            <a:r>
-              <a:rPr lang="en-GB" b="0" i="0" dirty="0">
-                <a:solidFill>
-                  <a:srgbClr val="FFFFFF"/>
-                </a:solidFill>
-                <a:effectLst/>
-                <a:latin typeface="Segoe UI Historic" panose="020B0502040204020203" pitchFamily="34" charset="0"/>
-              </a:rPr>
-              <a:t>Write a program to calculate HCF of two given number. HCF (Highest Common Factor) or GCD (Greatest Common Divisor) of two numbers is the largest number that divides both of them. </a:t>
-            </a:r>
-            <a:endParaRPr lang="en-GB" dirty="0">
-              <a:solidFill>
-                <a:schemeClr val="bg1"/>
-              </a:solidFill>
-            </a:endParaRPr>
-          </a:p>
-        </p:txBody>
-      </p:sp>
+      <mc:AlternateContent xmlns:mc="http://schemas.openxmlformats.org/markup-compatibility/2006" xmlns:a14="http://schemas.microsoft.com/office/drawing/2010/main">
+        <mc:Choice Requires="a14">
+          <p:sp>
+            <p:nvSpPr>
+              <p:cNvPr id="5" name="Content Placeholder 2">
+                <a:extLst>
+                  <a:ext uri="{FF2B5EF4-FFF2-40B4-BE49-F238E27FC236}">
+                    <a16:creationId xmlns:a16="http://schemas.microsoft.com/office/drawing/2014/main" id="{485CCAC1-7BE3-4210-BC06-BA1F1B616B8B}"/>
+                  </a:ext>
+                </a:extLst>
+              </p:cNvPr>
+              <p:cNvSpPr>
+                <a:spLocks noGrp="1"/>
+              </p:cNvSpPr>
+              <p:nvPr>
+                <p:ph idx="1"/>
+              </p:nvPr>
+            </p:nvSpPr>
+            <p:spPr>
+              <a:xfrm>
+                <a:off x="565609" y="1690688"/>
+                <a:ext cx="10788192" cy="4908075"/>
+              </a:xfrm>
+            </p:spPr>
+            <p:txBody>
+              <a:bodyPr>
+                <a:normAutofit/>
+              </a:bodyPr>
+              <a:lstStyle/>
+              <a:p>
+                <a:r>
+                  <a:rPr lang="en-GB" dirty="0">
+                    <a:solidFill>
+                      <a:schemeClr val="bg1"/>
+                    </a:solidFill>
+                  </a:rPr>
+                  <a:t>Do you know Super Mario game? We changed the game rules, Mario instead of avoiding the monsters by jumping he will fight them all. But because he is very weak, always he loses the fight and loses his health. At the beginning of the game Mario starts with health </a:t>
+                </a:r>
+                <a14:m>
+                  <m:oMath xmlns:m="http://schemas.openxmlformats.org/officeDocument/2006/math">
+                    <m:r>
+                      <a:rPr lang="en-GB" i="1" dirty="0" smtClean="0">
+                        <a:solidFill>
+                          <a:schemeClr val="bg1"/>
+                        </a:solidFill>
+                        <a:latin typeface="Cambria Math" panose="02040503050406030204" pitchFamily="18" charset="0"/>
+                      </a:rPr>
+                      <m:t>100</m:t>
+                    </m:r>
+                  </m:oMath>
+                </a14:m>
+                <a:r>
+                  <a:rPr lang="en-GB" dirty="0">
+                    <a:solidFill>
+                      <a:schemeClr val="bg1"/>
+                    </a:solidFill>
+                  </a:rPr>
+                  <a:t>, then he fights </a:t>
+                </a:r>
+                <a14:m>
+                  <m:oMath xmlns:m="http://schemas.openxmlformats.org/officeDocument/2006/math">
+                    <m:r>
+                      <a:rPr lang="en-GB" i="1" dirty="0" smtClean="0">
+                        <a:solidFill>
+                          <a:schemeClr val="bg1"/>
+                        </a:solidFill>
+                        <a:latin typeface="Cambria Math" panose="02040503050406030204" pitchFamily="18" charset="0"/>
+                      </a:rPr>
+                      <m:t>𝑛</m:t>
+                    </m:r>
+                  </m:oMath>
+                </a14:m>
+                <a:r>
+                  <a:rPr lang="en-GB" dirty="0">
+                    <a:solidFill>
+                      <a:schemeClr val="bg1"/>
+                    </a:solidFill>
+                  </a:rPr>
+                  <a:t> monsters.</a:t>
+                </a:r>
+                <a:r>
+                  <a:rPr lang="en-US" i="1" dirty="0">
+                    <a:solidFill>
+                      <a:schemeClr val="bg1"/>
+                    </a:solidFill>
+                  </a:rPr>
+                  <a:t> </a:t>
+                </a:r>
+                <a:r>
+                  <a:rPr lang="en-GB" dirty="0">
+                    <a:solidFill>
+                      <a:schemeClr val="bg1"/>
+                    </a:solidFill>
+                  </a:rPr>
+                  <a:t>Each monster </a:t>
+                </a:r>
+                <a14:m>
+                  <m:oMath xmlns:m="http://schemas.openxmlformats.org/officeDocument/2006/math">
+                    <m:r>
+                      <a:rPr lang="en-GB" i="1" dirty="0" smtClean="0">
+                        <a:solidFill>
+                          <a:schemeClr val="bg1"/>
+                        </a:solidFill>
+                        <a:latin typeface="Cambria Math" panose="02040503050406030204" pitchFamily="18" charset="0"/>
+                      </a:rPr>
+                      <m:t>𝑖</m:t>
+                    </m:r>
+                  </m:oMath>
+                </a14:m>
+                <a:r>
+                  <a:rPr lang="en-GB" dirty="0">
+                    <a:solidFill>
+                      <a:schemeClr val="bg1"/>
+                    </a:solidFill>
+                  </a:rPr>
+                  <a:t> has a power </a:t>
+                </a:r>
+                <a14:m>
+                  <m:oMath xmlns:m="http://schemas.openxmlformats.org/officeDocument/2006/math">
+                    <m:sSub>
+                      <m:sSubPr>
+                        <m:ctrlPr>
+                          <a:rPr lang="en-US" b="0" i="1" smtClean="0">
+                            <a:solidFill>
+                              <a:schemeClr val="bg1"/>
+                            </a:solidFill>
+                            <a:latin typeface="Cambria Math" panose="02040503050406030204" pitchFamily="18" charset="0"/>
+                          </a:rPr>
+                        </m:ctrlPr>
+                      </m:sSubPr>
+                      <m:e>
+                        <m:r>
+                          <a:rPr lang="en-US" b="0" i="1" smtClean="0">
+                            <a:solidFill>
+                              <a:schemeClr val="bg1"/>
+                            </a:solidFill>
+                            <a:latin typeface="Cambria Math" panose="02040503050406030204" pitchFamily="18" charset="0"/>
+                          </a:rPr>
+                          <m:t>𝑥</m:t>
+                        </m:r>
+                      </m:e>
+                      <m:sub>
+                        <m:r>
+                          <a:rPr lang="en-US" b="0" i="1" smtClean="0">
+                            <a:solidFill>
+                              <a:schemeClr val="bg1"/>
+                            </a:solidFill>
+                            <a:latin typeface="Cambria Math" panose="02040503050406030204" pitchFamily="18" charset="0"/>
+                          </a:rPr>
+                          <m:t>𝑖</m:t>
+                        </m:r>
+                      </m:sub>
+                    </m:sSub>
+                  </m:oMath>
+                </a14:m>
+                <a:r>
+                  <a:rPr lang="en-GB" dirty="0">
+                    <a:solidFill>
+                      <a:schemeClr val="bg1"/>
+                    </a:solidFill>
+                  </a:rPr>
+                  <a:t> and when Mario fights it, his health will be decreased by </a:t>
+                </a:r>
+                <a14:m>
+                  <m:oMath xmlns:m="http://schemas.openxmlformats.org/officeDocument/2006/math">
+                    <m:sSub>
+                      <m:sSubPr>
+                        <m:ctrlPr>
+                          <a:rPr lang="en-US" b="0" i="1" smtClean="0">
+                            <a:solidFill>
+                              <a:schemeClr val="bg1"/>
+                            </a:solidFill>
+                            <a:latin typeface="Cambria Math" panose="02040503050406030204" pitchFamily="18" charset="0"/>
+                          </a:rPr>
+                        </m:ctrlPr>
+                      </m:sSubPr>
+                      <m:e>
+                        <m:r>
+                          <a:rPr lang="en-US" b="0" i="1" smtClean="0">
+                            <a:solidFill>
+                              <a:schemeClr val="bg1"/>
+                            </a:solidFill>
+                            <a:latin typeface="Cambria Math" panose="02040503050406030204" pitchFamily="18" charset="0"/>
+                          </a:rPr>
+                          <m:t>𝑥</m:t>
+                        </m:r>
+                      </m:e>
+                      <m:sub>
+                        <m:r>
+                          <a:rPr lang="en-US" b="0" i="1" smtClean="0">
+                            <a:solidFill>
+                              <a:schemeClr val="bg1"/>
+                            </a:solidFill>
+                            <a:latin typeface="Cambria Math" panose="02040503050406030204" pitchFamily="18" charset="0"/>
+                          </a:rPr>
+                          <m:t>𝑖</m:t>
+                        </m:r>
+                      </m:sub>
+                    </m:sSub>
+                  </m:oMath>
+                </a14:m>
+                <a:r>
+                  <a:rPr lang="en-GB" dirty="0">
+                    <a:solidFill>
+                      <a:schemeClr val="bg1"/>
+                    </a:solidFill>
+                  </a:rPr>
+                  <a:t>. While Mario health is a positive value, he still alive otherwise he dead. You will be given the number of monsters </a:t>
+                </a:r>
+                <a14:m>
+                  <m:oMath xmlns:m="http://schemas.openxmlformats.org/officeDocument/2006/math">
+                    <m:r>
+                      <a:rPr lang="en-GB" i="1" dirty="0" smtClean="0">
+                        <a:solidFill>
+                          <a:schemeClr val="bg1"/>
+                        </a:solidFill>
+                        <a:latin typeface="Cambria Math" panose="02040503050406030204" pitchFamily="18" charset="0"/>
+                      </a:rPr>
+                      <m:t>𝑛</m:t>
+                    </m:r>
+                  </m:oMath>
+                </a14:m>
+                <a:r>
+                  <a:rPr lang="en-GB" dirty="0">
+                    <a:solidFill>
+                      <a:schemeClr val="bg1"/>
+                    </a:solidFill>
+                  </a:rPr>
+                  <a:t> and the power of each monster </a:t>
+                </a:r>
+                <a14:m>
+                  <m:oMath xmlns:m="http://schemas.openxmlformats.org/officeDocument/2006/math">
+                    <m:sSub>
+                      <m:sSubPr>
+                        <m:ctrlPr>
+                          <a:rPr lang="en-US" b="0" i="1" smtClean="0">
+                            <a:solidFill>
+                              <a:schemeClr val="bg1"/>
+                            </a:solidFill>
+                            <a:latin typeface="Cambria Math" panose="02040503050406030204" pitchFamily="18" charset="0"/>
+                          </a:rPr>
+                        </m:ctrlPr>
+                      </m:sSubPr>
+                      <m:e>
+                        <m:r>
+                          <a:rPr lang="en-US" b="0" i="1" smtClean="0">
+                            <a:solidFill>
+                              <a:schemeClr val="bg1"/>
+                            </a:solidFill>
+                            <a:latin typeface="Cambria Math" panose="02040503050406030204" pitchFamily="18" charset="0"/>
+                          </a:rPr>
+                          <m:t>𝑥</m:t>
+                        </m:r>
+                      </m:e>
+                      <m:sub>
+                        <m:r>
+                          <a:rPr lang="en-US" b="0" i="1" smtClean="0">
+                            <a:solidFill>
+                              <a:schemeClr val="bg1"/>
+                            </a:solidFill>
+                            <a:latin typeface="Cambria Math" panose="02040503050406030204" pitchFamily="18" charset="0"/>
+                          </a:rPr>
+                          <m:t>𝑖</m:t>
+                        </m:r>
+                      </m:sub>
+                    </m:sSub>
+                  </m:oMath>
+                </a14:m>
+                <a:r>
+                  <a:rPr lang="en-GB" dirty="0">
+                    <a:solidFill>
+                      <a:schemeClr val="bg1"/>
+                    </a:solidFill>
+                  </a:rPr>
+                  <a:t>. Can you tell us if Mario will be alive or be dead after fighting all monsters.</a:t>
+                </a:r>
+                <a:endParaRPr lang="en-US" dirty="0">
+                  <a:solidFill>
+                    <a:schemeClr val="bg1"/>
+                  </a:solidFill>
+                </a:endParaRPr>
+              </a:p>
+            </p:txBody>
+          </p:sp>
+        </mc:Choice>
+        <mc:Fallback xmlns="">
+          <p:sp>
+            <p:nvSpPr>
+              <p:cNvPr id="5" name="Content Placeholder 2">
+                <a:extLst>
+                  <a:ext uri="{FF2B5EF4-FFF2-40B4-BE49-F238E27FC236}">
+                    <a16:creationId xmlns:a16="http://schemas.microsoft.com/office/drawing/2014/main" id="{485CCAC1-7BE3-4210-BC06-BA1F1B616B8B}"/>
+                  </a:ext>
+                </a:extLst>
+              </p:cNvPr>
+              <p:cNvSpPr>
+                <a:spLocks noGrp="1" noRot="1" noChangeAspect="1" noMove="1" noResize="1" noEditPoints="1" noAdjustHandles="1" noChangeArrowheads="1" noChangeShapeType="1" noTextEdit="1"/>
+              </p:cNvSpPr>
+              <p:nvPr>
+                <p:ph idx="1"/>
+              </p:nvPr>
+            </p:nvSpPr>
+            <p:spPr>
+              <a:xfrm>
+                <a:off x="565609" y="1690688"/>
+                <a:ext cx="10788192" cy="4908075"/>
+              </a:xfrm>
+              <a:blipFill>
+                <a:blip r:embed="rId2"/>
+                <a:stretch>
+                  <a:fillRect l="-1017" t="-1988"/>
+                </a:stretch>
+              </a:blipFill>
+            </p:spPr>
+            <p:txBody>
+              <a:bodyPr/>
+              <a:lstStyle/>
+              <a:p>
+                <a:r>
+                  <a:rPr lang="en-US">
+                    <a:noFill/>
+                  </a:rPr>
+                  <a:t> </a:t>
+                </a:r>
+              </a:p>
+            </p:txBody>
+          </p:sp>
+        </mc:Fallback>
+      </mc:AlternateContent>
     </p:spTree>
     <p:extLst>
       <p:ext uri="{BB962C8B-B14F-4D97-AF65-F5344CB8AC3E}">
-        <p14:creationId xmlns:p14="http://schemas.microsoft.com/office/powerpoint/2010/main" val="2494715087"/>
+        <p14:creationId xmlns:p14="http://schemas.microsoft.com/office/powerpoint/2010/main" val="2327542053"/>
       </p:ext>
     </p:extLst>
   </p:cSld>
@@ -29183,7 +29475,7 @@
                   <a:schemeClr val="bg1"/>
                 </a:solidFill>
               </a:rPr>
-              <a:t>10</a:t>
+              <a:t>11</a:t>
             </a:r>
           </a:p>
         </p:txBody>
@@ -29217,16 +29509,14 @@
           <a:lstStyle/>
           <a:p>
             <a:r>
-              <a:rPr lang="en-GB" b="0" i="0" dirty="0">
-                <a:solidFill>
-                  <a:srgbClr val="FFFFFF"/>
-                </a:solidFill>
-                <a:effectLst/>
-                <a:latin typeface="Segoe UI Historic" panose="020B0502040204020203" pitchFamily="34" charset="0"/>
-              </a:rPr>
-              <a:t>Write a program to print Fibonacci series of n terms, where n is input by user. The Fibonacci sequence is a sequence where the next term is the sum of the previous two terms. The first two terms of the Fibonacci sequence are 0 followed by 1. For Example: 0, 1, 1, 2, 3, 5, 8, 13, 21, ... , (n-1th + n-2th)</a:t>
-            </a:r>
-            <a:endParaRPr lang="en-GB" dirty="0">
+              <a:rPr lang="en-GB" dirty="0">
+                <a:solidFill>
+                  <a:schemeClr val="bg1"/>
+                </a:solidFill>
+              </a:rPr>
+              <a:t>(Binary Equivalent of a Decimal Number) Write a program to print the binary equivalent of a given decimal integer.</a:t>
+            </a:r>
+            <a:endParaRPr lang="en-US" dirty="0">
               <a:solidFill>
                 <a:schemeClr val="bg1"/>
               </a:solidFill>
@@ -29237,7 +29527,7 @@
     </p:spTree>
     <p:extLst>
       <p:ext uri="{BB962C8B-B14F-4D97-AF65-F5344CB8AC3E}">
-        <p14:creationId xmlns:p14="http://schemas.microsoft.com/office/powerpoint/2010/main" val="2801483096"/>
+        <p14:creationId xmlns:p14="http://schemas.microsoft.com/office/powerpoint/2010/main" val="3958338099"/>
       </p:ext>
     </p:extLst>
   </p:cSld>
@@ -29629,8 +29919,8 @@
           </a:p>
         </p:txBody>
       </p:sp>
-      <mc:AlternateContent xmlns:mc="http://schemas.openxmlformats.org/markup-compatibility/2006">
-        <mc:Choice xmlns:a14="http://schemas.microsoft.com/office/drawing/2010/main" Requires="a14">
+      <mc:AlternateContent xmlns:mc="http://schemas.openxmlformats.org/markup-compatibility/2006" xmlns:a14="http://schemas.microsoft.com/office/drawing/2010/main">
+        <mc:Choice Requires="a14">
           <p:sp>
             <p:nvSpPr>
               <p:cNvPr id="5" name="Content Placeholder 2">
@@ -29716,7 +30006,7 @@
             </p:txBody>
           </p:sp>
         </mc:Choice>
-        <mc:Fallback>
+        <mc:Fallback xmlns="">
           <p:sp>
             <p:nvSpPr>
               <p:cNvPr id="5" name="Content Placeholder 2">
@@ -29760,6 +30050,36 @@
           </p:sp>
         </mc:Fallback>
       </mc:AlternateContent>
+      <p:pic>
+        <p:nvPicPr>
+          <p:cNvPr id="4" name="Picture 3">
+            <a:extLst>
+              <a:ext uri="{FF2B5EF4-FFF2-40B4-BE49-F238E27FC236}">
+                <a16:creationId xmlns:a16="http://schemas.microsoft.com/office/drawing/2014/main" id="{D9C2E2B5-EB16-447D-B399-F9D1A6E1EEF6}"/>
+              </a:ext>
+            </a:extLst>
+          </p:cNvPr>
+          <p:cNvPicPr>
+            <a:picLocks noChangeAspect="1"/>
+          </p:cNvPicPr>
+          <p:nvPr/>
+        </p:nvPicPr>
+        <p:blipFill>
+          <a:blip r:embed="rId3"/>
+          <a:stretch>
+            <a:fillRect/>
+          </a:stretch>
+        </p:blipFill>
+        <p:spPr>
+          <a:xfrm>
+            <a:off x="5161225" y="3793656"/>
+            <a:ext cx="1596959" cy="2747311"/>
+          </a:xfrm>
+          <a:prstGeom prst="rect">
+            <a:avLst/>
+          </a:prstGeom>
+        </p:spPr>
+      </p:pic>
     </p:spTree>
     <p:extLst>
       <p:ext uri="{BB962C8B-B14F-4D97-AF65-F5344CB8AC3E}">
@@ -29827,7 +30147,7 @@
                 </a:solidFill>
                 <a:latin typeface="+mj-lt"/>
               </a:rPr>
-              <a:t>Final Notes</a:t>
+              <a:t>TASK 4</a:t>
             </a:r>
             <a:endParaRPr lang="en-US" dirty="0">
               <a:solidFill>
@@ -29866,117 +30186,51 @@
           <a:lstStyle/>
           <a:p>
             <a:r>
-              <a:rPr lang="en-GB" dirty="0">
+              <a:rPr lang="en-GB" sz="2400" dirty="0">
                 <a:solidFill>
                   <a:srgbClr val="FFFFFF"/>
                 </a:solidFill>
                 <a:latin typeface="Segoe UI Historic" panose="020B0502040204020203" pitchFamily="34" charset="0"/>
               </a:rPr>
-              <a:t>READ THE BOOK	READ THE BOOK		 READ THE BOOK</a:t>
-            </a:r>
-          </a:p>
-          <a:p>
-            <a:r>
-              <a:rPr lang="en-GB" dirty="0">
-                <a:solidFill>
-                  <a:srgbClr val="FFFFFF"/>
-                </a:solidFill>
-                <a:latin typeface="Segoe UI Historic" panose="020B0502040204020203" pitchFamily="34" charset="0"/>
-              </a:rPr>
-              <a:t>READ THE BOOK	READ THE BOOK		 READ THE BOOK</a:t>
-            </a:r>
-          </a:p>
-          <a:p>
-            <a:r>
-              <a:rPr lang="en-GB" dirty="0">
-                <a:solidFill>
-                  <a:srgbClr val="FFFFFF"/>
-                </a:solidFill>
-                <a:latin typeface="Segoe UI Historic" panose="020B0502040204020203" pitchFamily="34" charset="0"/>
-              </a:rPr>
-              <a:t>READ THE BOOK 	READ THE BOOK		 READ THE BOOK</a:t>
-            </a:r>
-          </a:p>
-          <a:p>
-            <a:r>
-              <a:rPr lang="en-GB" dirty="0">
-                <a:solidFill>
-                  <a:srgbClr val="FFFFFF"/>
-                </a:solidFill>
-                <a:latin typeface="Segoe UI Historic" panose="020B0502040204020203" pitchFamily="34" charset="0"/>
-              </a:rPr>
-              <a:t>READ THE BOOK	READ THE BOOK		 READ THE BOOK</a:t>
-            </a:r>
-          </a:p>
-          <a:p>
-            <a:r>
-              <a:rPr lang="en-GB" dirty="0">
-                <a:solidFill>
-                  <a:srgbClr val="FFFFFF"/>
-                </a:solidFill>
-                <a:latin typeface="Segoe UI Historic" panose="020B0502040204020203" pitchFamily="34" charset="0"/>
-              </a:rPr>
-              <a:t>READ THE BOOK	READ THE BOOK		 READ THE BOOK</a:t>
-            </a:r>
-          </a:p>
-          <a:p>
-            <a:r>
-              <a:rPr lang="en-GB" dirty="0">
-                <a:solidFill>
-                  <a:srgbClr val="FFFFFF"/>
-                </a:solidFill>
-                <a:latin typeface="Segoe UI Historic" panose="020B0502040204020203" pitchFamily="34" charset="0"/>
-              </a:rPr>
-              <a:t>READ THE BOOK 	READ THE BOOK		 READ THE BOOK</a:t>
-            </a:r>
-          </a:p>
-          <a:p>
-            <a:r>
-              <a:rPr lang="en-GB" dirty="0">
-                <a:solidFill>
-                  <a:srgbClr val="FFFFFF"/>
-                </a:solidFill>
-                <a:latin typeface="Segoe UI Historic" panose="020B0502040204020203" pitchFamily="34" charset="0"/>
-              </a:rPr>
-              <a:t>READ THE BOOK 	READ THE BOOK		 READ THE BOOK</a:t>
-            </a:r>
-          </a:p>
-          <a:p>
-            <a:r>
-              <a:rPr lang="en-GB" dirty="0">
-                <a:solidFill>
-                  <a:srgbClr val="FFFFFF"/>
-                </a:solidFill>
-                <a:latin typeface="Segoe UI Historic" panose="020B0502040204020203" pitchFamily="34" charset="0"/>
-              </a:rPr>
-              <a:t>READ THE BOOK 	READ THE BOOK		 READ THE BOOK</a:t>
-            </a:r>
-          </a:p>
-          <a:p>
-            <a:r>
-              <a:rPr lang="en-GB" dirty="0">
-                <a:solidFill>
-                  <a:srgbClr val="FFFFFF"/>
-                </a:solidFill>
-                <a:latin typeface="Segoe UI Historic" panose="020B0502040204020203" pitchFamily="34" charset="0"/>
-              </a:rPr>
-              <a:t>READ THE BOOK 	READ THE BOOK		 READ THE BOOK</a:t>
-            </a:r>
-          </a:p>
-          <a:p>
-            <a:endParaRPr lang="en-GB" dirty="0">
-              <a:solidFill>
-                <a:srgbClr val="FFFFFF"/>
-              </a:solidFill>
-              <a:latin typeface="Segoe UI Historic" panose="020B0502040204020203" pitchFamily="34" charset="0"/>
-            </a:endParaRPr>
+              <a:t>(Salary Calculator) Develop a program that will determine the gross pay for each of several employees. The company pays “straight time” for the first 40 hours worked by each employee and pays “time-and-a-half” for all hours worked in excess of 40 hours. You’re given a list of the employees of the company, the number of hours each employee worked last week and the hourly rate of each employee. Your program should input this information for each employee and should determine and display the employee's gross pay. Here is a sample input/output dialog:</a:t>
+            </a:r>
           </a:p>
         </p:txBody>
       </p:sp>
+      <p:pic>
+        <p:nvPicPr>
+          <p:cNvPr id="6" name="Picture 5">
+            <a:extLst>
+              <a:ext uri="{FF2B5EF4-FFF2-40B4-BE49-F238E27FC236}">
+                <a16:creationId xmlns:a16="http://schemas.microsoft.com/office/drawing/2014/main" id="{6503F4A5-FF13-48E7-ABA9-95958D7376B0}"/>
+              </a:ext>
+            </a:extLst>
+          </p:cNvPr>
+          <p:cNvPicPr>
+            <a:picLocks noChangeAspect="1"/>
+          </p:cNvPicPr>
+          <p:nvPr/>
+        </p:nvPicPr>
+        <p:blipFill>
+          <a:blip r:embed="rId2"/>
+          <a:stretch>
+            <a:fillRect/>
+          </a:stretch>
+        </p:blipFill>
+        <p:spPr>
+          <a:xfrm>
+            <a:off x="2377641" y="4421596"/>
+            <a:ext cx="7436718" cy="2381694"/>
+          </a:xfrm>
+          <a:prstGeom prst="rect">
+            <a:avLst/>
+          </a:prstGeom>
+        </p:spPr>
+      </p:pic>
     </p:spTree>
     <p:extLst>
       <p:ext uri="{BB962C8B-B14F-4D97-AF65-F5344CB8AC3E}">
-        <p14:creationId xmlns:p14="http://schemas.microsoft.com/office/powerpoint/2010/main" val="251236622"/>
+        <p14:creationId xmlns:p14="http://schemas.microsoft.com/office/powerpoint/2010/main" val="297377458"/>
       </p:ext>
     </p:extLst>
   </p:cSld>
@@ -30040,7 +30294,7 @@
                 </a:solidFill>
                 <a:latin typeface="+mj-lt"/>
               </a:rPr>
-              <a:t>Final Notes</a:t>
+              <a:t>TASK 5</a:t>
             </a:r>
             <a:endParaRPr lang="en-US" dirty="0">
               <a:solidFill>
@@ -30050,12 +30304,189 @@
           </a:p>
         </p:txBody>
       </p:sp>
+      <mc:AlternateContent xmlns:mc="http://schemas.openxmlformats.org/markup-compatibility/2006" xmlns:a14="http://schemas.microsoft.com/office/drawing/2010/main">
+        <mc:Choice Requires="a14">
+          <p:sp>
+            <p:nvSpPr>
+              <p:cNvPr id="5" name="Content Placeholder 2">
+                <a:extLst>
+                  <a:ext uri="{FF2B5EF4-FFF2-40B4-BE49-F238E27FC236}">
+                    <a16:creationId xmlns:a16="http://schemas.microsoft.com/office/drawing/2014/main" id="{485CCAC1-7BE3-4210-BC06-BA1F1B616B8B}"/>
+                  </a:ext>
+                </a:extLst>
+              </p:cNvPr>
+              <p:cNvSpPr>
+                <a:spLocks noGrp="1"/>
+              </p:cNvSpPr>
+              <p:nvPr>
+                <p:ph idx="1"/>
+              </p:nvPr>
+            </p:nvSpPr>
+            <p:spPr>
+              <a:xfrm>
+                <a:off x="565609" y="1690688"/>
+                <a:ext cx="10788192" cy="4908075"/>
+              </a:xfrm>
+            </p:spPr>
+            <p:txBody>
+              <a:bodyPr>
+                <a:normAutofit/>
+              </a:bodyPr>
+              <a:lstStyle/>
+              <a:p>
+                <a:r>
+                  <a:rPr lang="en-GB" dirty="0">
+                    <a:solidFill>
+                      <a:srgbClr val="FFFFFF"/>
+                    </a:solidFill>
+                    <a:latin typeface="Segoe UI Historic" panose="020B0502040204020203" pitchFamily="34" charset="0"/>
+                  </a:rPr>
+                  <a:t>(Tabular Output) Write a program that uses looping to print the following table of values. Use the tab escape sequence (\t), in the </a:t>
+                </a:r>
+                <a14:m>
+                  <m:oMath xmlns:m="http://schemas.openxmlformats.org/officeDocument/2006/math">
+                    <m:r>
+                      <a:rPr lang="en-GB" i="1" dirty="0" smtClean="0">
+                        <a:solidFill>
+                          <a:srgbClr val="FFFFFF"/>
+                        </a:solidFill>
+                        <a:latin typeface="Cambria Math" panose="02040503050406030204" pitchFamily="18" charset="0"/>
+                      </a:rPr>
+                      <m:t>𝑝𝑟𝑖𝑛𝑡𝑓</m:t>
+                    </m:r>
+                  </m:oMath>
+                </a14:m>
+                <a:r>
+                  <a:rPr lang="en-GB" dirty="0">
+                    <a:solidFill>
+                      <a:srgbClr val="FFFFFF"/>
+                    </a:solidFill>
+                    <a:latin typeface="Segoe UI Historic" panose="020B0502040204020203" pitchFamily="34" charset="0"/>
+                  </a:rPr>
+                  <a:t> statement to separate the columns with tabs.</a:t>
+                </a:r>
+              </a:p>
+            </p:txBody>
+          </p:sp>
+        </mc:Choice>
+        <mc:Fallback xmlns="">
+          <p:sp>
+            <p:nvSpPr>
+              <p:cNvPr id="5" name="Content Placeholder 2">
+                <a:extLst>
+                  <a:ext uri="{FF2B5EF4-FFF2-40B4-BE49-F238E27FC236}">
+                    <a16:creationId xmlns:a16="http://schemas.microsoft.com/office/drawing/2014/main" id="{485CCAC1-7BE3-4210-BC06-BA1F1B616B8B}"/>
+                  </a:ext>
+                </a:extLst>
+              </p:cNvPr>
+              <p:cNvSpPr>
+                <a:spLocks noGrp="1" noRot="1" noChangeAspect="1" noMove="1" noResize="1" noEditPoints="1" noAdjustHandles="1" noChangeArrowheads="1" noChangeShapeType="1" noTextEdit="1"/>
+              </p:cNvSpPr>
+              <p:nvPr>
+                <p:ph idx="1"/>
+              </p:nvPr>
+            </p:nvSpPr>
+            <p:spPr>
+              <a:xfrm>
+                <a:off x="565609" y="1690688"/>
+                <a:ext cx="10788192" cy="4908075"/>
+              </a:xfrm>
+              <a:blipFill>
+                <a:blip r:embed="rId2"/>
+                <a:stretch>
+                  <a:fillRect l="-1017" t="-2112" r="-56"/>
+                </a:stretch>
+              </a:blipFill>
+            </p:spPr>
+            <p:txBody>
+              <a:bodyPr/>
+              <a:lstStyle/>
+              <a:p>
+                <a:r>
+                  <a:rPr lang="en-US">
+                    <a:noFill/>
+                  </a:rPr>
+                  <a:t> </a:t>
+                </a:r>
+              </a:p>
+            </p:txBody>
+          </p:sp>
+        </mc:Fallback>
+      </mc:AlternateContent>
+      <p:pic>
+        <p:nvPicPr>
+          <p:cNvPr id="4" name="Picture 3">
+            <a:extLst>
+              <a:ext uri="{FF2B5EF4-FFF2-40B4-BE49-F238E27FC236}">
+                <a16:creationId xmlns:a16="http://schemas.microsoft.com/office/drawing/2014/main" id="{9EB62707-A270-4EE8-A72F-ACECDA5FC03E}"/>
+              </a:ext>
+            </a:extLst>
+          </p:cNvPr>
+          <p:cNvPicPr>
+            <a:picLocks noChangeAspect="1"/>
+          </p:cNvPicPr>
+          <p:nvPr/>
+        </p:nvPicPr>
+        <p:blipFill>
+          <a:blip r:embed="rId3"/>
+          <a:stretch>
+            <a:fillRect/>
+          </a:stretch>
+        </p:blipFill>
+        <p:spPr>
+          <a:xfrm>
+            <a:off x="3602610" y="3016251"/>
+            <a:ext cx="4986779" cy="3676693"/>
+          </a:xfrm>
+          <a:prstGeom prst="rect">
+            <a:avLst/>
+          </a:prstGeom>
+        </p:spPr>
+      </p:pic>
+    </p:spTree>
+    <p:extLst>
+      <p:ext uri="{BB962C8B-B14F-4D97-AF65-F5344CB8AC3E}">
+        <p14:creationId xmlns:p14="http://schemas.microsoft.com/office/powerpoint/2010/main" val="2343066516"/>
+      </p:ext>
+    </p:extLst>
+  </p:cSld>
+  <p:clrMapOvr>
+    <a:masterClrMapping/>
+  </p:clrMapOvr>
+</p:sld>
+</file>
+
+<file path=ppt/slides/slide49.xml><?xml version="1.0" encoding="utf-8"?>
+<p:sld xmlns:a="http://schemas.openxmlformats.org/drawingml/2006/main" xmlns:r="http://schemas.openxmlformats.org/officeDocument/2006/relationships" xmlns:p="http://schemas.openxmlformats.org/presentationml/2006/main">
+  <p:cSld>
+    <p:bg>
+      <p:bgPr>
+        <a:solidFill>
+          <a:schemeClr val="tx1"/>
+        </a:solidFill>
+        <a:effectLst/>
+      </p:bgPr>
+    </p:bg>
+    <p:spTree>
+      <p:nvGrpSpPr>
+        <p:cNvPr id="1" name=""/>
+        <p:cNvGrpSpPr/>
+        <p:nvPr/>
+      </p:nvGrpSpPr>
+      <p:grpSpPr>
+        <a:xfrm>
+          <a:off x="0" y="0"/>
+          <a:ext cx="0" cy="0"/>
+          <a:chOff x="0" y="0"/>
+          <a:chExt cx="0" cy="0"/>
+        </a:xfrm>
+      </p:grpSpPr>
       <p:sp>
         <p:nvSpPr>
-          <p:cNvPr id="5" name="Content Placeholder 2">
+          <p:cNvPr id="2" name="Title 1">
             <a:extLst>
               <a:ext uri="{FF2B5EF4-FFF2-40B4-BE49-F238E27FC236}">
-                <a16:creationId xmlns:a16="http://schemas.microsoft.com/office/drawing/2014/main" id="{485CCAC1-7BE3-4210-BC06-BA1F1B616B8B}"/>
+                <a16:creationId xmlns:a16="http://schemas.microsoft.com/office/drawing/2014/main" id="{4A0FEE7A-FBE1-41FA-A380-4F4EA3B09449}"/>
               </a:ext>
             </a:extLst>
           </p:cNvPr>
@@ -30063,78 +30494,195 @@
             <a:spLocks noGrp="1"/>
           </p:cNvSpPr>
           <p:nvPr>
-            <p:ph idx="1"/>
+            <p:ph type="title"/>
           </p:nvPr>
         </p:nvSpPr>
-        <p:spPr>
-          <a:xfrm>
-            <a:off x="565609" y="1690688"/>
-            <a:ext cx="10788192" cy="4908075"/>
-          </a:xfrm>
-        </p:spPr>
+        <p:spPr/>
         <p:txBody>
-          <a:bodyPr>
-            <a:normAutofit/>
-          </a:bodyPr>
+          <a:bodyPr/>
           <a:lstStyle/>
           <a:p>
-            <a:r>
-              <a:rPr lang="en-GB" dirty="0">
-                <a:solidFill>
-                  <a:srgbClr val="FFFFFF"/>
-                </a:solidFill>
-                <a:latin typeface="Segoe UI Historic" panose="020B0502040204020203" pitchFamily="34" charset="0"/>
-              </a:rPr>
-              <a:t>MAKE ERRORS AND FIX THEM</a:t>
-            </a:r>
-            <a:br>
-              <a:rPr lang="en-GB" dirty="0">
-                <a:solidFill>
-                  <a:srgbClr val="FFFFFF"/>
-                </a:solidFill>
-                <a:latin typeface="Segoe UI Historic" panose="020B0502040204020203" pitchFamily="34" charset="0"/>
-              </a:rPr>
-            </a:br>
-            <a:br>
-              <a:rPr lang="en-GB" dirty="0">
-                <a:solidFill>
-                  <a:srgbClr val="FFFFFF"/>
-                </a:solidFill>
-                <a:latin typeface="Segoe UI Historic" panose="020B0502040204020203" pitchFamily="34" charset="0"/>
-              </a:rPr>
-            </a:br>
-            <a:endParaRPr lang="en-GB" dirty="0">
+            <a:pPr algn="ctr"/>
+            <a:r>
+              <a:rPr lang="en-US" i="0" dirty="0">
+                <a:solidFill>
+                  <a:schemeClr val="bg1"/>
+                </a:solidFill>
+                <a:latin typeface="+mj-lt"/>
+              </a:rPr>
+              <a:t>TASK 6</a:t>
+            </a:r>
+            <a:endParaRPr lang="en-US" dirty="0">
               <a:solidFill>
-                <a:srgbClr val="FFFFFF"/>
+                <a:schemeClr val="bg1"/>
               </a:solidFill>
-              <a:latin typeface="Segoe UI Historic" panose="020B0502040204020203" pitchFamily="34" charset="0"/>
-            </a:endParaRPr>
-          </a:p>
-          <a:p>
-            <a:r>
-              <a:rPr lang="en-GB" dirty="0">
-                <a:solidFill>
-                  <a:srgbClr val="FFFFFF"/>
-                </a:solidFill>
-                <a:latin typeface="Segoe UI Historic" panose="020B0502040204020203" pitchFamily="34" charset="0"/>
-              </a:rPr>
-              <a:t>SEARCH ONLINE FOR SOLUTIONS</a:t>
-            </a:r>
-          </a:p>
-          <a:p>
-            <a:endParaRPr lang="en-GB" dirty="0">
-              <a:solidFill>
-                <a:srgbClr val="FFFFFF"/>
-              </a:solidFill>
-              <a:latin typeface="Segoe UI Historic" panose="020B0502040204020203" pitchFamily="34" charset="0"/>
             </a:endParaRPr>
           </a:p>
         </p:txBody>
       </p:sp>
+      <mc:AlternateContent xmlns:mc="http://schemas.openxmlformats.org/markup-compatibility/2006" xmlns:a14="http://schemas.microsoft.com/office/drawing/2010/main">
+        <mc:Choice Requires="a14">
+          <p:sp>
+            <p:nvSpPr>
+              <p:cNvPr id="5" name="Content Placeholder 2">
+                <a:extLst>
+                  <a:ext uri="{FF2B5EF4-FFF2-40B4-BE49-F238E27FC236}">
+                    <a16:creationId xmlns:a16="http://schemas.microsoft.com/office/drawing/2014/main" id="{485CCAC1-7BE3-4210-BC06-BA1F1B616B8B}"/>
+                  </a:ext>
+                </a:extLst>
+              </p:cNvPr>
+              <p:cNvSpPr>
+                <a:spLocks noGrp="1"/>
+              </p:cNvSpPr>
+              <p:nvPr>
+                <p:ph idx="1"/>
+              </p:nvPr>
+            </p:nvSpPr>
+            <p:spPr>
+              <a:xfrm>
+                <a:off x="565609" y="1690688"/>
+                <a:ext cx="10788192" cy="4908075"/>
+              </a:xfrm>
+            </p:spPr>
+            <p:txBody>
+              <a:bodyPr>
+                <a:normAutofit/>
+              </a:bodyPr>
+              <a:lstStyle/>
+              <a:p>
+                <a:r>
+                  <a:rPr lang="en-GB" dirty="0">
+                    <a:solidFill>
+                      <a:schemeClr val="bg1"/>
+                    </a:solidFill>
+                  </a:rPr>
+                  <a:t>(Sequences) Write </a:t>
+                </a:r>
+                <a14:m>
+                  <m:oMath xmlns:m="http://schemas.openxmlformats.org/officeDocument/2006/math">
+                    <m:r>
+                      <a:rPr lang="en-GB" i="1" dirty="0" smtClean="0">
+                        <a:solidFill>
+                          <a:schemeClr val="bg1"/>
+                        </a:solidFill>
+                        <a:latin typeface="Cambria Math" panose="02040503050406030204" pitchFamily="18" charset="0"/>
+                      </a:rPr>
+                      <m:t>𝑓𝑜𝑟</m:t>
+                    </m:r>
+                  </m:oMath>
+                </a14:m>
+                <a:r>
+                  <a:rPr lang="en-GB" b="1" dirty="0">
+                    <a:solidFill>
+                      <a:schemeClr val="bg1"/>
+                    </a:solidFill>
+                  </a:rPr>
+                  <a:t> </a:t>
+                </a:r>
+                <a:r>
+                  <a:rPr lang="en-GB" dirty="0">
+                    <a:solidFill>
+                      <a:schemeClr val="bg1"/>
+                    </a:solidFill>
+                  </a:rPr>
+                  <a:t>statements that print the following sequences of values: </a:t>
+                </a:r>
+              </a:p>
+              <a:p>
+                <a:pPr lvl="1"/>
+                <a:r>
+                  <a:rPr lang="en-US" dirty="0">
+                    <a:solidFill>
+                      <a:schemeClr val="bg1"/>
+                    </a:solidFill>
+                  </a:rPr>
+                  <a:t>3, 8, 13, 18, 23, …, 993,998 </a:t>
+                </a:r>
+              </a:p>
+              <a:p>
+                <a:pPr lvl="1"/>
+                <a:r>
+                  <a:rPr lang="en-US" dirty="0">
+                    <a:solidFill>
+                      <a:schemeClr val="bg1"/>
+                    </a:solidFill>
+                  </a:rPr>
+                  <a:t>20, 14, 8, 2, –4, –10, …, -994, -1000 </a:t>
+                </a:r>
+              </a:p>
+              <a:p>
+                <a:pPr lvl="1"/>
+                <a:r>
+                  <a:rPr lang="en-US" dirty="0">
+                    <a:solidFill>
+                      <a:schemeClr val="bg1"/>
+                    </a:solidFill>
+                  </a:rPr>
+                  <a:t>3, 15, 75, 375, …, 46875, 234375 </a:t>
+                </a:r>
+              </a:p>
+              <a:p>
+                <a:pPr lvl="1"/>
+                <a:r>
+                  <a:rPr lang="en-US" dirty="0">
+                    <a:solidFill>
+                      <a:schemeClr val="bg1"/>
+                    </a:solidFill>
+                  </a:rPr>
+                  <a:t>1, 2, 4, 8, 16, …, 4096, 8192 </a:t>
+                </a:r>
+              </a:p>
+            </p:txBody>
+          </p:sp>
+        </mc:Choice>
+        <mc:Fallback xmlns="">
+          <p:sp>
+            <p:nvSpPr>
+              <p:cNvPr id="5" name="Content Placeholder 2">
+                <a:extLst>
+                  <a:ext uri="{FF2B5EF4-FFF2-40B4-BE49-F238E27FC236}">
+                    <a16:creationId xmlns:a16="http://schemas.microsoft.com/office/drawing/2014/main" id="{485CCAC1-7BE3-4210-BC06-BA1F1B616B8B}"/>
+                  </a:ext>
+                </a:extLst>
+              </p:cNvPr>
+              <p:cNvSpPr>
+                <a:spLocks noGrp="1" noRot="1" noChangeAspect="1" noMove="1" noResize="1" noEditPoints="1" noAdjustHandles="1" noChangeArrowheads="1" noChangeShapeType="1" noTextEdit="1"/>
+              </p:cNvSpPr>
+              <p:nvPr>
+                <p:ph idx="1"/>
+              </p:nvPr>
+            </p:nvSpPr>
+            <p:spPr>
+              <a:xfrm>
+                <a:off x="565609" y="1690688"/>
+                <a:ext cx="10788192" cy="4908075"/>
+              </a:xfrm>
+              <a:blipFill>
+                <a:blip r:embed="rId2"/>
+                <a:stretch>
+                  <a:fillRect l="-1017" t="-1988" r="-1864"/>
+                </a:stretch>
+              </a:blipFill>
+            </p:spPr>
+            <p:txBody>
+              <a:bodyPr/>
+              <a:lstStyle/>
+              <a:p>
+                <a:r>
+                  <a:rPr lang="en-US">
+                    <a:noFill/>
+                  </a:rPr>
+                  <a:t> </a:t>
+                </a:r>
+              </a:p>
+            </p:txBody>
+          </p:sp>
+        </mc:Fallback>
+      </mc:AlternateContent>
     </p:spTree>
     <p:extLst>
       <p:ext uri="{BB962C8B-B14F-4D97-AF65-F5344CB8AC3E}">
-        <p14:creationId xmlns:p14="http://schemas.microsoft.com/office/powerpoint/2010/main" val="883885407"/>
+        <p14:creationId xmlns:p14="http://schemas.microsoft.com/office/powerpoint/2010/main" val="904265438"/>
       </p:ext>
     </p:extLst>
   </p:cSld>
@@ -30256,6 +30804,633 @@
     <p:extLst>
       <p:ext uri="{BB962C8B-B14F-4D97-AF65-F5344CB8AC3E}">
         <p14:creationId xmlns:p14="http://schemas.microsoft.com/office/powerpoint/2010/main" val="3468544166"/>
+      </p:ext>
+    </p:extLst>
+  </p:cSld>
+  <p:clrMapOvr>
+    <a:masterClrMapping/>
+  </p:clrMapOvr>
+</p:sld>
+</file>
+
+<file path=ppt/slides/slide50.xml><?xml version="1.0" encoding="utf-8"?>
+<p:sld xmlns:a="http://schemas.openxmlformats.org/drawingml/2006/main" xmlns:r="http://schemas.openxmlformats.org/officeDocument/2006/relationships" xmlns:p="http://schemas.openxmlformats.org/presentationml/2006/main">
+  <p:cSld>
+    <p:bg>
+      <p:bgPr>
+        <a:solidFill>
+          <a:schemeClr val="tx1"/>
+        </a:solidFill>
+        <a:effectLst/>
+      </p:bgPr>
+    </p:bg>
+    <p:spTree>
+      <p:nvGrpSpPr>
+        <p:cNvPr id="1" name=""/>
+        <p:cNvGrpSpPr/>
+        <p:nvPr/>
+      </p:nvGrpSpPr>
+      <p:grpSpPr>
+        <a:xfrm>
+          <a:off x="0" y="0"/>
+          <a:ext cx="0" cy="0"/>
+          <a:chOff x="0" y="0"/>
+          <a:chExt cx="0" cy="0"/>
+        </a:xfrm>
+      </p:grpSpPr>
+      <p:sp>
+        <p:nvSpPr>
+          <p:cNvPr id="2" name="Title 1">
+            <a:extLst>
+              <a:ext uri="{FF2B5EF4-FFF2-40B4-BE49-F238E27FC236}">
+                <a16:creationId xmlns:a16="http://schemas.microsoft.com/office/drawing/2014/main" id="{4A0FEE7A-FBE1-41FA-A380-4F4EA3B09449}"/>
+              </a:ext>
+            </a:extLst>
+          </p:cNvPr>
+          <p:cNvSpPr>
+            <a:spLocks noGrp="1"/>
+          </p:cNvSpPr>
+          <p:nvPr>
+            <p:ph type="title"/>
+          </p:nvPr>
+        </p:nvSpPr>
+        <p:spPr/>
+        <p:txBody>
+          <a:bodyPr/>
+          <a:lstStyle/>
+          <a:p>
+            <a:pPr algn="ctr"/>
+            <a:r>
+              <a:rPr lang="en-US" i="0" dirty="0">
+                <a:solidFill>
+                  <a:schemeClr val="bg1"/>
+                </a:solidFill>
+                <a:latin typeface="+mj-lt"/>
+              </a:rPr>
+              <a:t>TASK 7</a:t>
+            </a:r>
+            <a:endParaRPr lang="en-US" dirty="0">
+              <a:solidFill>
+                <a:schemeClr val="bg1"/>
+              </a:solidFill>
+            </a:endParaRPr>
+          </a:p>
+        </p:txBody>
+      </p:sp>
+      <p:sp>
+        <p:nvSpPr>
+          <p:cNvPr id="5" name="Content Placeholder 2">
+            <a:extLst>
+              <a:ext uri="{FF2B5EF4-FFF2-40B4-BE49-F238E27FC236}">
+                <a16:creationId xmlns:a16="http://schemas.microsoft.com/office/drawing/2014/main" id="{485CCAC1-7BE3-4210-BC06-BA1F1B616B8B}"/>
+              </a:ext>
+            </a:extLst>
+          </p:cNvPr>
+          <p:cNvSpPr>
+            <a:spLocks noGrp="1"/>
+          </p:cNvSpPr>
+          <p:nvPr>
+            <p:ph idx="1"/>
+          </p:nvPr>
+        </p:nvSpPr>
+        <p:spPr>
+          <a:xfrm>
+            <a:off x="565609" y="1690688"/>
+            <a:ext cx="10788192" cy="4908075"/>
+          </a:xfrm>
+        </p:spPr>
+        <p:txBody>
+          <a:bodyPr>
+            <a:normAutofit/>
+          </a:bodyPr>
+          <a:lstStyle/>
+          <a:p>
+            <a:r>
+              <a:rPr lang="en-GB" dirty="0">
+                <a:solidFill>
+                  <a:schemeClr val="bg1"/>
+                </a:solidFill>
+              </a:rPr>
+              <a:t>(Odd &amp; even) Write a program that take an integer (n) from user then calculates and prints the product of odd integers from 1 to n and the summation of even integers from 1 to n.</a:t>
+            </a:r>
+            <a:endParaRPr lang="en-US" dirty="0">
+              <a:solidFill>
+                <a:schemeClr val="bg1"/>
+              </a:solidFill>
+            </a:endParaRPr>
+          </a:p>
+        </p:txBody>
+      </p:sp>
+    </p:spTree>
+    <p:extLst>
+      <p:ext uri="{BB962C8B-B14F-4D97-AF65-F5344CB8AC3E}">
+        <p14:creationId xmlns:p14="http://schemas.microsoft.com/office/powerpoint/2010/main" val="191191582"/>
+      </p:ext>
+    </p:extLst>
+  </p:cSld>
+  <p:clrMapOvr>
+    <a:masterClrMapping/>
+  </p:clrMapOvr>
+</p:sld>
+</file>
+
+<file path=ppt/slides/slide51.xml><?xml version="1.0" encoding="utf-8"?>
+<p:sld xmlns:a="http://schemas.openxmlformats.org/drawingml/2006/main" xmlns:r="http://schemas.openxmlformats.org/officeDocument/2006/relationships" xmlns:p="http://schemas.openxmlformats.org/presentationml/2006/main">
+  <p:cSld>
+    <p:bg>
+      <p:bgPr>
+        <a:solidFill>
+          <a:schemeClr val="tx1"/>
+        </a:solidFill>
+        <a:effectLst/>
+      </p:bgPr>
+    </p:bg>
+    <p:spTree>
+      <p:nvGrpSpPr>
+        <p:cNvPr id="1" name=""/>
+        <p:cNvGrpSpPr/>
+        <p:nvPr/>
+      </p:nvGrpSpPr>
+      <p:grpSpPr>
+        <a:xfrm>
+          <a:off x="0" y="0"/>
+          <a:ext cx="0" cy="0"/>
+          <a:chOff x="0" y="0"/>
+          <a:chExt cx="0" cy="0"/>
+        </a:xfrm>
+      </p:grpSpPr>
+      <p:sp>
+        <p:nvSpPr>
+          <p:cNvPr id="2" name="Title 1">
+            <a:extLst>
+              <a:ext uri="{FF2B5EF4-FFF2-40B4-BE49-F238E27FC236}">
+                <a16:creationId xmlns:a16="http://schemas.microsoft.com/office/drawing/2014/main" id="{4A0FEE7A-FBE1-41FA-A380-4F4EA3B09449}"/>
+              </a:ext>
+            </a:extLst>
+          </p:cNvPr>
+          <p:cNvSpPr>
+            <a:spLocks noGrp="1"/>
+          </p:cNvSpPr>
+          <p:nvPr>
+            <p:ph type="title"/>
+          </p:nvPr>
+        </p:nvSpPr>
+        <p:spPr/>
+        <p:txBody>
+          <a:bodyPr/>
+          <a:lstStyle/>
+          <a:p>
+            <a:pPr algn="ctr"/>
+            <a:r>
+              <a:rPr lang="en-US" i="0" dirty="0">
+                <a:solidFill>
+                  <a:schemeClr val="bg1"/>
+                </a:solidFill>
+                <a:latin typeface="+mj-lt"/>
+              </a:rPr>
+              <a:t>TASK 08</a:t>
+            </a:r>
+            <a:endParaRPr lang="en-US" dirty="0">
+              <a:solidFill>
+                <a:schemeClr val="bg1"/>
+              </a:solidFill>
+            </a:endParaRPr>
+          </a:p>
+        </p:txBody>
+      </p:sp>
+      <p:sp>
+        <p:nvSpPr>
+          <p:cNvPr id="5" name="Content Placeholder 2">
+            <a:extLst>
+              <a:ext uri="{FF2B5EF4-FFF2-40B4-BE49-F238E27FC236}">
+                <a16:creationId xmlns:a16="http://schemas.microsoft.com/office/drawing/2014/main" id="{485CCAC1-7BE3-4210-BC06-BA1F1B616B8B}"/>
+              </a:ext>
+            </a:extLst>
+          </p:cNvPr>
+          <p:cNvSpPr>
+            <a:spLocks noGrp="1"/>
+          </p:cNvSpPr>
+          <p:nvPr>
+            <p:ph idx="1"/>
+          </p:nvPr>
+        </p:nvSpPr>
+        <p:spPr>
+          <a:xfrm>
+            <a:off x="565609" y="1690688"/>
+            <a:ext cx="10788192" cy="4486275"/>
+          </a:xfrm>
+        </p:spPr>
+        <p:txBody>
+          <a:bodyPr>
+            <a:normAutofit/>
+          </a:bodyPr>
+          <a:lstStyle/>
+          <a:p>
+            <a:r>
+              <a:rPr lang="en-GB" b="0" i="0" dirty="0">
+                <a:solidFill>
+                  <a:srgbClr val="FFFFFF"/>
+                </a:solidFill>
+                <a:effectLst/>
+                <a:latin typeface="Segoe UI Historic" panose="020B0502040204020203" pitchFamily="34" charset="0"/>
+              </a:rPr>
+              <a:t>(Factorials) The factorial function is used frequently in probability problems. The factorial of a positive integer n (written n! and pronounced “n factorial”) is equal to the product of the positive integers from 1 to n. Write a program that evaluates the factorials of the integers from 1 to 5. Print the results in tabular format. </a:t>
+            </a:r>
+          </a:p>
+          <a:p>
+            <a:r>
+              <a:rPr lang="en-GB" b="0" i="0" dirty="0">
+                <a:solidFill>
+                  <a:srgbClr val="FFFFFF"/>
+                </a:solidFill>
+                <a:effectLst/>
+                <a:latin typeface="Segoe UI Historic" panose="020B0502040204020203" pitchFamily="34" charset="0"/>
+              </a:rPr>
+              <a:t>What difficulty might prevent you from calculating the factorial of 20?</a:t>
+            </a:r>
+            <a:endParaRPr lang="en-GB" dirty="0">
+              <a:solidFill>
+                <a:schemeClr val="bg1"/>
+              </a:solidFill>
+            </a:endParaRPr>
+          </a:p>
+        </p:txBody>
+      </p:sp>
+    </p:spTree>
+    <p:extLst>
+      <p:ext uri="{BB962C8B-B14F-4D97-AF65-F5344CB8AC3E}">
+        <p14:creationId xmlns:p14="http://schemas.microsoft.com/office/powerpoint/2010/main" val="3277114010"/>
+      </p:ext>
+    </p:extLst>
+  </p:cSld>
+  <p:clrMapOvr>
+    <a:masterClrMapping/>
+  </p:clrMapOvr>
+</p:sld>
+</file>
+
+<file path=ppt/slides/slide52.xml><?xml version="1.0" encoding="utf-8"?>
+<p:sld xmlns:a="http://schemas.openxmlformats.org/drawingml/2006/main" xmlns:r="http://schemas.openxmlformats.org/officeDocument/2006/relationships" xmlns:p="http://schemas.openxmlformats.org/presentationml/2006/main">
+  <p:cSld>
+    <p:bg>
+      <p:bgPr>
+        <a:solidFill>
+          <a:schemeClr val="tx1"/>
+        </a:solidFill>
+        <a:effectLst/>
+      </p:bgPr>
+    </p:bg>
+    <p:spTree>
+      <p:nvGrpSpPr>
+        <p:cNvPr id="1" name=""/>
+        <p:cNvGrpSpPr/>
+        <p:nvPr/>
+      </p:nvGrpSpPr>
+      <p:grpSpPr>
+        <a:xfrm>
+          <a:off x="0" y="0"/>
+          <a:ext cx="0" cy="0"/>
+          <a:chOff x="0" y="0"/>
+          <a:chExt cx="0" cy="0"/>
+        </a:xfrm>
+      </p:grpSpPr>
+      <p:sp>
+        <p:nvSpPr>
+          <p:cNvPr id="2" name="Title 1">
+            <a:extLst>
+              <a:ext uri="{FF2B5EF4-FFF2-40B4-BE49-F238E27FC236}">
+                <a16:creationId xmlns:a16="http://schemas.microsoft.com/office/drawing/2014/main" id="{4A0FEE7A-FBE1-41FA-A380-4F4EA3B09449}"/>
+              </a:ext>
+            </a:extLst>
+          </p:cNvPr>
+          <p:cNvSpPr>
+            <a:spLocks noGrp="1"/>
+          </p:cNvSpPr>
+          <p:nvPr>
+            <p:ph type="title"/>
+          </p:nvPr>
+        </p:nvSpPr>
+        <p:spPr/>
+        <p:txBody>
+          <a:bodyPr/>
+          <a:lstStyle/>
+          <a:p>
+            <a:pPr algn="ctr"/>
+            <a:r>
+              <a:rPr lang="en-US" i="0" dirty="0">
+                <a:solidFill>
+                  <a:schemeClr val="bg1"/>
+                </a:solidFill>
+                <a:latin typeface="+mj-lt"/>
+              </a:rPr>
+              <a:t>Final Notes</a:t>
+            </a:r>
+            <a:endParaRPr lang="en-US" dirty="0">
+              <a:solidFill>
+                <a:schemeClr val="bg1"/>
+              </a:solidFill>
+            </a:endParaRPr>
+          </a:p>
+        </p:txBody>
+      </p:sp>
+      <p:sp>
+        <p:nvSpPr>
+          <p:cNvPr id="5" name="Content Placeholder 2">
+            <a:extLst>
+              <a:ext uri="{FF2B5EF4-FFF2-40B4-BE49-F238E27FC236}">
+                <a16:creationId xmlns:a16="http://schemas.microsoft.com/office/drawing/2014/main" id="{485CCAC1-7BE3-4210-BC06-BA1F1B616B8B}"/>
+              </a:ext>
+            </a:extLst>
+          </p:cNvPr>
+          <p:cNvSpPr>
+            <a:spLocks noGrp="1"/>
+          </p:cNvSpPr>
+          <p:nvPr>
+            <p:ph idx="1"/>
+          </p:nvPr>
+        </p:nvSpPr>
+        <p:spPr>
+          <a:xfrm>
+            <a:off x="565609" y="1690688"/>
+            <a:ext cx="10788192" cy="4908075"/>
+          </a:xfrm>
+        </p:spPr>
+        <p:txBody>
+          <a:bodyPr>
+            <a:normAutofit/>
+          </a:bodyPr>
+          <a:lstStyle/>
+          <a:p>
+            <a:r>
+              <a:rPr lang="en-GB" dirty="0">
+                <a:solidFill>
+                  <a:srgbClr val="FFFFFF"/>
+                </a:solidFill>
+                <a:latin typeface="Segoe UI Historic" panose="020B0502040204020203" pitchFamily="34" charset="0"/>
+              </a:rPr>
+              <a:t>READ THE BOOK	READ THE BOOK		 READ THE BOOK</a:t>
+            </a:r>
+          </a:p>
+          <a:p>
+            <a:r>
+              <a:rPr lang="en-GB" dirty="0">
+                <a:solidFill>
+                  <a:srgbClr val="FFFFFF"/>
+                </a:solidFill>
+                <a:latin typeface="Segoe UI Historic" panose="020B0502040204020203" pitchFamily="34" charset="0"/>
+              </a:rPr>
+              <a:t>READ THE BOOK	READ THE BOOK		 READ THE BOOK</a:t>
+            </a:r>
+          </a:p>
+          <a:p>
+            <a:r>
+              <a:rPr lang="en-GB" dirty="0">
+                <a:solidFill>
+                  <a:srgbClr val="FFFFFF"/>
+                </a:solidFill>
+                <a:latin typeface="Segoe UI Historic" panose="020B0502040204020203" pitchFamily="34" charset="0"/>
+              </a:rPr>
+              <a:t>READ THE BOOK 	READ THE BOOK		 READ THE BOOK</a:t>
+            </a:r>
+          </a:p>
+          <a:p>
+            <a:r>
+              <a:rPr lang="en-GB" dirty="0">
+                <a:solidFill>
+                  <a:srgbClr val="FFFFFF"/>
+                </a:solidFill>
+                <a:latin typeface="Segoe UI Historic" panose="020B0502040204020203" pitchFamily="34" charset="0"/>
+              </a:rPr>
+              <a:t>READ THE BOOK	READ THE BOOK		 READ THE BOOK</a:t>
+            </a:r>
+          </a:p>
+          <a:p>
+            <a:r>
+              <a:rPr lang="en-GB" dirty="0">
+                <a:solidFill>
+                  <a:srgbClr val="FFFFFF"/>
+                </a:solidFill>
+                <a:latin typeface="Segoe UI Historic" panose="020B0502040204020203" pitchFamily="34" charset="0"/>
+              </a:rPr>
+              <a:t>READ THE BOOK	READ THE BOOK		 READ THE BOOK</a:t>
+            </a:r>
+          </a:p>
+          <a:p>
+            <a:r>
+              <a:rPr lang="en-GB" dirty="0">
+                <a:solidFill>
+                  <a:srgbClr val="FFFFFF"/>
+                </a:solidFill>
+                <a:latin typeface="Segoe UI Historic" panose="020B0502040204020203" pitchFamily="34" charset="0"/>
+              </a:rPr>
+              <a:t>READ THE BOOK 	READ THE BOOK		 READ THE BOOK</a:t>
+            </a:r>
+          </a:p>
+          <a:p>
+            <a:r>
+              <a:rPr lang="en-GB" dirty="0">
+                <a:solidFill>
+                  <a:srgbClr val="FFFFFF"/>
+                </a:solidFill>
+                <a:latin typeface="Segoe UI Historic" panose="020B0502040204020203" pitchFamily="34" charset="0"/>
+              </a:rPr>
+              <a:t>READ THE BOOK 	READ THE BOOK		 READ THE BOOK</a:t>
+            </a:r>
+          </a:p>
+          <a:p>
+            <a:r>
+              <a:rPr lang="en-GB" dirty="0">
+                <a:solidFill>
+                  <a:srgbClr val="FFFFFF"/>
+                </a:solidFill>
+                <a:latin typeface="Segoe UI Historic" panose="020B0502040204020203" pitchFamily="34" charset="0"/>
+              </a:rPr>
+              <a:t>READ THE BOOK 	READ THE BOOK		 READ THE BOOK</a:t>
+            </a:r>
+          </a:p>
+          <a:p>
+            <a:r>
+              <a:rPr lang="en-GB" dirty="0">
+                <a:solidFill>
+                  <a:srgbClr val="FFFFFF"/>
+                </a:solidFill>
+                <a:latin typeface="Segoe UI Historic" panose="020B0502040204020203" pitchFamily="34" charset="0"/>
+              </a:rPr>
+              <a:t>READ THE BOOK 	READ THE BOOK		 READ THE BOOK</a:t>
+            </a:r>
+          </a:p>
+          <a:p>
+            <a:endParaRPr lang="en-GB" dirty="0">
+              <a:solidFill>
+                <a:srgbClr val="FFFFFF"/>
+              </a:solidFill>
+              <a:latin typeface="Segoe UI Historic" panose="020B0502040204020203" pitchFamily="34" charset="0"/>
+            </a:endParaRPr>
+          </a:p>
+        </p:txBody>
+      </p:sp>
+    </p:spTree>
+    <p:extLst>
+      <p:ext uri="{BB962C8B-B14F-4D97-AF65-F5344CB8AC3E}">
+        <p14:creationId xmlns:p14="http://schemas.microsoft.com/office/powerpoint/2010/main" val="251236622"/>
+      </p:ext>
+    </p:extLst>
+  </p:cSld>
+  <p:clrMapOvr>
+    <a:masterClrMapping/>
+  </p:clrMapOvr>
+</p:sld>
+</file>
+
+<file path=ppt/slides/slide53.xml><?xml version="1.0" encoding="utf-8"?>
+<p:sld xmlns:a="http://schemas.openxmlformats.org/drawingml/2006/main" xmlns:r="http://schemas.openxmlformats.org/officeDocument/2006/relationships" xmlns:p="http://schemas.openxmlformats.org/presentationml/2006/main">
+  <p:cSld>
+    <p:bg>
+      <p:bgPr>
+        <a:solidFill>
+          <a:schemeClr val="tx1"/>
+        </a:solidFill>
+        <a:effectLst/>
+      </p:bgPr>
+    </p:bg>
+    <p:spTree>
+      <p:nvGrpSpPr>
+        <p:cNvPr id="1" name=""/>
+        <p:cNvGrpSpPr/>
+        <p:nvPr/>
+      </p:nvGrpSpPr>
+      <p:grpSpPr>
+        <a:xfrm>
+          <a:off x="0" y="0"/>
+          <a:ext cx="0" cy="0"/>
+          <a:chOff x="0" y="0"/>
+          <a:chExt cx="0" cy="0"/>
+        </a:xfrm>
+      </p:grpSpPr>
+      <p:sp>
+        <p:nvSpPr>
+          <p:cNvPr id="2" name="Title 1">
+            <a:extLst>
+              <a:ext uri="{FF2B5EF4-FFF2-40B4-BE49-F238E27FC236}">
+                <a16:creationId xmlns:a16="http://schemas.microsoft.com/office/drawing/2014/main" id="{4A0FEE7A-FBE1-41FA-A380-4F4EA3B09449}"/>
+              </a:ext>
+            </a:extLst>
+          </p:cNvPr>
+          <p:cNvSpPr>
+            <a:spLocks noGrp="1"/>
+          </p:cNvSpPr>
+          <p:nvPr>
+            <p:ph type="title"/>
+          </p:nvPr>
+        </p:nvSpPr>
+        <p:spPr/>
+        <p:txBody>
+          <a:bodyPr/>
+          <a:lstStyle/>
+          <a:p>
+            <a:pPr algn="ctr"/>
+            <a:r>
+              <a:rPr lang="en-US" i="0" dirty="0">
+                <a:solidFill>
+                  <a:schemeClr val="bg1"/>
+                </a:solidFill>
+                <a:latin typeface="+mj-lt"/>
+              </a:rPr>
+              <a:t>Final Notes</a:t>
+            </a:r>
+            <a:endParaRPr lang="en-US" dirty="0">
+              <a:solidFill>
+                <a:schemeClr val="bg1"/>
+              </a:solidFill>
+            </a:endParaRPr>
+          </a:p>
+        </p:txBody>
+      </p:sp>
+      <p:sp>
+        <p:nvSpPr>
+          <p:cNvPr id="5" name="Content Placeholder 2">
+            <a:extLst>
+              <a:ext uri="{FF2B5EF4-FFF2-40B4-BE49-F238E27FC236}">
+                <a16:creationId xmlns:a16="http://schemas.microsoft.com/office/drawing/2014/main" id="{485CCAC1-7BE3-4210-BC06-BA1F1B616B8B}"/>
+              </a:ext>
+            </a:extLst>
+          </p:cNvPr>
+          <p:cNvSpPr>
+            <a:spLocks noGrp="1"/>
+          </p:cNvSpPr>
+          <p:nvPr>
+            <p:ph idx="1"/>
+          </p:nvPr>
+        </p:nvSpPr>
+        <p:spPr>
+          <a:xfrm>
+            <a:off x="565609" y="1690688"/>
+            <a:ext cx="10788192" cy="4908075"/>
+          </a:xfrm>
+        </p:spPr>
+        <p:txBody>
+          <a:bodyPr>
+            <a:normAutofit/>
+          </a:bodyPr>
+          <a:lstStyle/>
+          <a:p>
+            <a:r>
+              <a:rPr lang="en-GB" dirty="0">
+                <a:solidFill>
+                  <a:srgbClr val="FFFFFF"/>
+                </a:solidFill>
+                <a:latin typeface="Segoe UI Historic" panose="020B0502040204020203" pitchFamily="34" charset="0"/>
+              </a:rPr>
+              <a:t>MAKE ERRORS AND FIX THEM</a:t>
+            </a:r>
+            <a:br>
+              <a:rPr lang="en-GB" dirty="0">
+                <a:solidFill>
+                  <a:srgbClr val="FFFFFF"/>
+                </a:solidFill>
+                <a:latin typeface="Segoe UI Historic" panose="020B0502040204020203" pitchFamily="34" charset="0"/>
+              </a:rPr>
+            </a:br>
+            <a:br>
+              <a:rPr lang="en-GB" dirty="0">
+                <a:solidFill>
+                  <a:srgbClr val="FFFFFF"/>
+                </a:solidFill>
+                <a:latin typeface="Segoe UI Historic" panose="020B0502040204020203" pitchFamily="34" charset="0"/>
+              </a:rPr>
+            </a:br>
+            <a:endParaRPr lang="en-GB" dirty="0">
+              <a:solidFill>
+                <a:srgbClr val="FFFFFF"/>
+              </a:solidFill>
+              <a:latin typeface="Segoe UI Historic" panose="020B0502040204020203" pitchFamily="34" charset="0"/>
+            </a:endParaRPr>
+          </a:p>
+          <a:p>
+            <a:r>
+              <a:rPr lang="en-GB" dirty="0">
+                <a:solidFill>
+                  <a:srgbClr val="FFFFFF"/>
+                </a:solidFill>
+                <a:latin typeface="Segoe UI Historic" panose="020B0502040204020203" pitchFamily="34" charset="0"/>
+              </a:rPr>
+              <a:t>SEARCH ONLINE FOR SOLUTIONS</a:t>
+            </a:r>
+          </a:p>
+          <a:p>
+            <a:endParaRPr lang="en-GB" dirty="0">
+              <a:solidFill>
+                <a:srgbClr val="FFFFFF"/>
+              </a:solidFill>
+              <a:latin typeface="Segoe UI Historic" panose="020B0502040204020203" pitchFamily="34" charset="0"/>
+            </a:endParaRPr>
+          </a:p>
+        </p:txBody>
+      </p:sp>
+    </p:spTree>
+    <p:extLst>
+      <p:ext uri="{BB962C8B-B14F-4D97-AF65-F5344CB8AC3E}">
+        <p14:creationId xmlns:p14="http://schemas.microsoft.com/office/powerpoint/2010/main" val="883885407"/>
       </p:ext>
     </p:extLst>
   </p:cSld>
